--- a/created/201891.pptx
+++ b/created/201891.pptx
@@ -118,6 +118,10 @@
     <p:sldId r:id="rId117" id="366"/>
     <p:sldId r:id="rId118" id="367"/>
     <p:sldId r:id="rId119" id="368"/>
+    <p:sldId r:id="rId120" id="369"/>
+    <p:sldId r:id="rId121" id="370"/>
+    <p:sldId r:id="rId122" id="371"/>
+    <p:sldId r:id="rId123" id="372"/>
   </p:sldIdLst>
   <p:sldSz cx="9144000" cy="6858000" type="screen4x3"/>
   <p:notesSz cx="6858000" cy="9144000"/>
@@ -3498,37 +3502,28 @@
           <a:p>
             <a:pPr algn="ctr"/>
             <a:r>
-              <a:rPr b="0" sz="8800">
-                <a:latin typeface="1훈하얀고양이 R"/>
-              </a:rPr>
-              <a:t>1. 빵이 되어 저희에게</a:t>
-            </a:r>
-          </a:p>
-          <a:p>
-            <a:pPr algn="ctr"/>
-            <a:r>
-              <a:rPr b="0" sz="8800">
-                <a:latin typeface="1훈하얀고양이 R"/>
-              </a:rPr>
-              <a:t>오신 예수님</a:t>
-            </a:r>
-          </a:p>
-          <a:p>
-            <a:pPr algn="ctr"/>
-            <a:r>
-              <a:rPr b="0" sz="8800">
-                <a:latin typeface="1훈하얀고양이 R"/>
-              </a:rPr>
-              <a:t>감사하는 마음으로</a:t>
-            </a:r>
-          </a:p>
-          <a:p>
-            <a:pPr algn="ctr"/>
-            <a:r>
-              <a:rPr b="0" sz="8800">
-                <a:latin typeface="1훈하얀고양이 R"/>
-              </a:rPr>
-              <a:t>기도드려요</a:t>
+              <a:rPr b="1" sz="7200">
+                <a:latin typeface="1훈하얀고양이 R"/>
+              </a:rPr>
+              <a:t>◎ 주님, 제 안에 주님을 모시기에 </a:t>
+            </a:r>
+          </a:p>
+          <a:p>
+            <a:pPr algn="ctr"/>
+            <a:r>
+              <a:rPr b="1" sz="7200">
+                <a:latin typeface="1훈하얀고양이 R"/>
+              </a:rPr>
+              <a:t>합당치 않사오나 한 말씀만 하소서 </a:t>
+            </a:r>
+          </a:p>
+          <a:p>
+            <a:pPr algn="ctr"/>
+            <a:r>
+              <a:rPr b="1" sz="7200">
+                <a:latin typeface="1훈하얀고양이 R"/>
+              </a:rPr>
+              <a:t>제 영혼이 곧 나으리이다.</a:t>
             </a:r>
           </a:p>
         </p:txBody>
@@ -3621,37 +3616,10 @@
           <a:p>
             <a:pPr algn="ctr"/>
             <a:r>
-              <a:rPr b="0" sz="8800">
-                <a:latin typeface="1훈하얀고양이 R"/>
-              </a:rPr>
-              <a:t>맑고 고운 저희 마음</a:t>
-            </a:r>
-          </a:p>
-          <a:p>
-            <a:pPr algn="ctr"/>
-            <a:r>
-              <a:rPr b="0" sz="8800">
-                <a:latin typeface="1훈하얀고양이 R"/>
-              </a:rPr>
-              <a:t>바쳐드리니</a:t>
-            </a:r>
-          </a:p>
-          <a:p>
-            <a:pPr algn="ctr"/>
-            <a:r>
-              <a:rPr b="0" sz="8800">
-                <a:latin typeface="1훈하얀고양이 R"/>
-              </a:rPr>
-              <a:t>하나되는 기쁨 속에</a:t>
-            </a:r>
-          </a:p>
-          <a:p>
-            <a:pPr algn="ctr"/>
-            <a:r>
-              <a:rPr b="0" sz="8800">
-                <a:latin typeface="1훈하얀고양이 R"/>
-              </a:rPr>
-              <a:t>살게하셔요</a:t>
+              <a:rPr b="1" sz="11500">
+                <a:latin typeface="1훈하얀고양이 R"/>
+              </a:rPr>
+              <a:t>영성체송</a:t>
             </a:r>
           </a:p>
         </p:txBody>
@@ -3747,34 +3715,34 @@
               <a:rPr b="0" sz="8800">
                 <a:latin typeface="1훈하얀고양이 R"/>
               </a:rPr>
-              <a:t>하나되어 나누어요</a:t>
-            </a:r>
-          </a:p>
-          <a:p>
-            <a:pPr algn="ctr"/>
-            <a:r>
-              <a:rPr b="0" sz="8800">
-                <a:latin typeface="1훈하얀고양이 R"/>
-              </a:rPr>
-              <a:t>예수님 사랑</a:t>
-            </a:r>
-          </a:p>
-          <a:p>
-            <a:pPr algn="ctr"/>
-            <a:r>
-              <a:rPr b="0" sz="8800">
-                <a:latin typeface="1훈하얀고양이 R"/>
-              </a:rPr>
-              <a:t>하나되어 나누어요</a:t>
-            </a:r>
-          </a:p>
-          <a:p>
-            <a:pPr algn="ctr"/>
-            <a:r>
-              <a:rPr b="0" sz="8800">
-                <a:latin typeface="1훈하얀고양이 R"/>
-              </a:rPr>
-              <a:t>예수님 평화</a:t>
+              <a:t>주님, 당신을 경외하는 </a:t>
+            </a:r>
+          </a:p>
+          <a:p>
+            <a:pPr algn="ctr"/>
+            <a:r>
+              <a:rPr b="0" sz="8800">
+                <a:latin typeface="1훈하얀고양이 R"/>
+              </a:rPr>
+              <a:t>이들 위해 간직하신 그 </a:t>
+            </a:r>
+          </a:p>
+          <a:p>
+            <a:pPr algn="ctr"/>
+            <a:r>
+              <a:rPr b="0" sz="8800">
+                <a:latin typeface="1훈하얀고양이 R"/>
+              </a:rPr>
+              <a:t>선하심, 얼마나 </a:t>
+            </a:r>
+          </a:p>
+          <a:p>
+            <a:pPr algn="ctr"/>
+            <a:r>
+              <a:rPr b="0" sz="8800">
+                <a:latin typeface="1훈하얀고양이 R"/>
+              </a:rPr>
+              <a:t>크시옵니까! </a:t>
             </a:r>
           </a:p>
         </p:txBody>
@@ -3867,37 +3835,19 @@
           <a:p>
             <a:pPr algn="ctr"/>
             <a:r>
-              <a:rPr b="0" sz="8800">
-                <a:latin typeface="1훈하얀고양이 R"/>
-              </a:rPr>
-              <a:t>2. 이웃들과 나누는</a:t>
-            </a:r>
-          </a:p>
-          <a:p>
-            <a:pPr algn="ctr"/>
-            <a:r>
-              <a:rPr b="0" sz="8800">
-                <a:latin typeface="1훈하얀고양이 R"/>
-              </a:rPr>
-              <a:t>착한 마음을</a:t>
-            </a:r>
-          </a:p>
-          <a:p>
-            <a:pPr algn="ctr"/>
-            <a:r>
-              <a:rPr b="0" sz="8800">
-                <a:latin typeface="1훈하얀고양이 R"/>
-              </a:rPr>
-              <a:t>저희들 마음 안에</a:t>
-            </a:r>
-          </a:p>
-          <a:p>
-            <a:pPr algn="ctr"/>
-            <a:r>
-              <a:rPr b="0" sz="8800">
-                <a:latin typeface="1훈하얀고양이 R"/>
-              </a:rPr>
-              <a:t>넣어 주시어</a:t>
+              <a:rPr b="1" sz="11500">
+                <a:latin typeface="1훈하얀고양이 R"/>
+              </a:rPr>
+              <a:t>성체성가</a:t>
+            </a:r>
+          </a:p>
+          <a:p>
+            <a:pPr algn="ctr"/>
+            <a:r>
+              <a:rPr b="0" sz="8800">
+                <a:latin typeface="1훈하얀고양이 R"/>
+              </a:rPr>
+              <a:t>83 하나 되어 나누어요</a:t>
             </a:r>
           </a:p>
         </p:txBody>
@@ -3993,34 +3943,34 @@
               <a:rPr b="0" sz="8800">
                 <a:latin typeface="1훈하얀고양이 R"/>
               </a:rPr>
-              <a:t>이 세상에 참된 평화</a:t>
-            </a:r>
-          </a:p>
-          <a:p>
-            <a:pPr algn="ctr"/>
-            <a:r>
-              <a:rPr b="0" sz="8800">
-                <a:latin typeface="1훈하얀고양이 R"/>
-              </a:rPr>
-              <a:t>넘쳐 나도록</a:t>
-            </a:r>
-          </a:p>
-          <a:p>
-            <a:pPr algn="ctr"/>
-            <a:r>
-              <a:rPr b="0" sz="8800">
-                <a:latin typeface="1훈하얀고양이 R"/>
-              </a:rPr>
-              <a:t>예수님의 작은 일꾼</a:t>
-            </a:r>
-          </a:p>
-          <a:p>
-            <a:pPr algn="ctr"/>
-            <a:r>
-              <a:rPr b="0" sz="8800">
-                <a:latin typeface="1훈하얀고양이 R"/>
-              </a:rPr>
-              <a:t>되게 하셔요</a:t>
+              <a:t>1. 빵이 되어 저희에게</a:t>
+            </a:r>
+          </a:p>
+          <a:p>
+            <a:pPr algn="ctr"/>
+            <a:r>
+              <a:rPr b="0" sz="8800">
+                <a:latin typeface="1훈하얀고양이 R"/>
+              </a:rPr>
+              <a:t>오신 예수님</a:t>
+            </a:r>
+          </a:p>
+          <a:p>
+            <a:pPr algn="ctr"/>
+            <a:r>
+              <a:rPr b="0" sz="8800">
+                <a:latin typeface="1훈하얀고양이 R"/>
+              </a:rPr>
+              <a:t>감사하는 마음으로</a:t>
+            </a:r>
+          </a:p>
+          <a:p>
+            <a:pPr algn="ctr"/>
+            <a:r>
+              <a:rPr b="0" sz="8800">
+                <a:latin typeface="1훈하얀고양이 R"/>
+              </a:rPr>
+              <a:t>기도드려요</a:t>
             </a:r>
           </a:p>
         </p:txBody>
@@ -4116,34 +4066,34 @@
               <a:rPr b="0" sz="8800">
                 <a:latin typeface="1훈하얀고양이 R"/>
               </a:rPr>
-              <a:t>하나되어 나누어요</a:t>
-            </a:r>
-          </a:p>
-          <a:p>
-            <a:pPr algn="ctr"/>
-            <a:r>
-              <a:rPr b="0" sz="8800">
-                <a:latin typeface="1훈하얀고양이 R"/>
-              </a:rPr>
-              <a:t>예수님 사랑</a:t>
-            </a:r>
-          </a:p>
-          <a:p>
-            <a:pPr algn="ctr"/>
-            <a:r>
-              <a:rPr b="0" sz="8800">
-                <a:latin typeface="1훈하얀고양이 R"/>
-              </a:rPr>
-              <a:t>하나되어 나누어요</a:t>
-            </a:r>
-          </a:p>
-          <a:p>
-            <a:pPr algn="ctr"/>
-            <a:r>
-              <a:rPr b="0" sz="8800">
-                <a:latin typeface="1훈하얀고양이 R"/>
-              </a:rPr>
-              <a:t>예수님 평화</a:t>
+              <a:t>맑고 고운 저희 마음</a:t>
+            </a:r>
+          </a:p>
+          <a:p>
+            <a:pPr algn="ctr"/>
+            <a:r>
+              <a:rPr b="0" sz="8800">
+                <a:latin typeface="1훈하얀고양이 R"/>
+              </a:rPr>
+              <a:t>바쳐드리니</a:t>
+            </a:r>
+          </a:p>
+          <a:p>
+            <a:pPr algn="ctr"/>
+            <a:r>
+              <a:rPr b="0" sz="8800">
+                <a:latin typeface="1훈하얀고양이 R"/>
+              </a:rPr>
+              <a:t>하나되는 기쁨 속에</a:t>
+            </a:r>
+          </a:p>
+          <a:p>
+            <a:pPr algn="ctr"/>
+            <a:r>
+              <a:rPr b="0" sz="8800">
+                <a:latin typeface="1훈하얀고양이 R"/>
+              </a:rPr>
+              <a:t>살게하셔요</a:t>
             </a:r>
           </a:p>
         </p:txBody>
@@ -4236,19 +4186,37 @@
           <a:p>
             <a:pPr algn="ctr"/>
             <a:r>
-              <a:rPr b="1" sz="11500">
-                <a:latin typeface="1훈하얀고양이 R"/>
-              </a:rPr>
-              <a:t>성체성가</a:t>
-            </a:r>
-          </a:p>
-          <a:p>
-            <a:pPr algn="ctr"/>
-            <a:r>
-              <a:rPr b="0" sz="8800">
-                <a:latin typeface="1훈하얀고양이 R"/>
-              </a:rPr>
-              <a:t>85 예수님 오셔요</a:t>
+              <a:rPr b="0" sz="8800">
+                <a:latin typeface="1훈하얀고양이 R"/>
+              </a:rPr>
+              <a:t>하나되어 나누어요</a:t>
+            </a:r>
+          </a:p>
+          <a:p>
+            <a:pPr algn="ctr"/>
+            <a:r>
+              <a:rPr b="0" sz="8800">
+                <a:latin typeface="1훈하얀고양이 R"/>
+              </a:rPr>
+              <a:t>예수님 사랑</a:t>
+            </a:r>
+          </a:p>
+          <a:p>
+            <a:pPr algn="ctr"/>
+            <a:r>
+              <a:rPr b="0" sz="8800">
+                <a:latin typeface="1훈하얀고양이 R"/>
+              </a:rPr>
+              <a:t>하나되어 나누어요</a:t>
+            </a:r>
+          </a:p>
+          <a:p>
+            <a:pPr algn="ctr"/>
+            <a:r>
+              <a:rPr b="0" sz="8800">
+                <a:latin typeface="1훈하얀고양이 R"/>
+              </a:rPr>
+              <a:t>예수님 평화</a:t>
             </a:r>
           </a:p>
         </p:txBody>
@@ -4344,34 +4312,34 @@
               <a:rPr b="0" sz="8800">
                 <a:latin typeface="1훈하얀고양이 R"/>
               </a:rPr>
-              <a:t>1. 작고 복된 제 맘에</a:t>
-            </a:r>
-          </a:p>
-          <a:p>
-            <a:pPr algn="ctr"/>
-            <a:r>
-              <a:rPr b="0" sz="8800">
-                <a:latin typeface="1훈하얀고양이 R"/>
-              </a:rPr>
-              <a:t>예수님 오셔요</a:t>
-            </a:r>
-          </a:p>
-          <a:p>
-            <a:pPr algn="ctr"/>
-            <a:r>
-              <a:rPr b="0" sz="8800">
-                <a:latin typeface="1훈하얀고양이 R"/>
-              </a:rPr>
-              <a:t>잠자는 아가보다</a:t>
-            </a:r>
-          </a:p>
-          <a:p>
-            <a:pPr algn="ctr"/>
-            <a:r>
-              <a:rPr b="0" sz="8800">
-                <a:latin typeface="1훈하얀고양이 R"/>
-              </a:rPr>
-              <a:t>저는 더 복되어요</a:t>
+              <a:t>2. 이웃들과 나누는</a:t>
+            </a:r>
+          </a:p>
+          <a:p>
+            <a:pPr algn="ctr"/>
+            <a:r>
+              <a:rPr b="0" sz="8800">
+                <a:latin typeface="1훈하얀고양이 R"/>
+              </a:rPr>
+              <a:t>착한 마음을</a:t>
+            </a:r>
+          </a:p>
+          <a:p>
+            <a:pPr algn="ctr"/>
+            <a:r>
+              <a:rPr b="0" sz="8800">
+                <a:latin typeface="1훈하얀고양이 R"/>
+              </a:rPr>
+              <a:t>저희들 마음 안에</a:t>
+            </a:r>
+          </a:p>
+          <a:p>
+            <a:pPr algn="ctr"/>
+            <a:r>
+              <a:rPr b="0" sz="8800">
+                <a:latin typeface="1훈하얀고양이 R"/>
+              </a:rPr>
+              <a:t>넣어 주시어</a:t>
             </a:r>
           </a:p>
         </p:txBody>
@@ -4467,34 +4435,34 @@
               <a:rPr b="0" sz="8800">
                 <a:latin typeface="1훈하얀고양이 R"/>
               </a:rPr>
-              <a:t>정성되이 모시고자</a:t>
-            </a:r>
-          </a:p>
-          <a:p>
-            <a:pPr algn="ctr"/>
-            <a:r>
-              <a:rPr b="0" sz="8800">
-                <a:latin typeface="1훈하얀고양이 R"/>
-              </a:rPr>
-              <a:t>가꾼 이 마음</a:t>
-            </a:r>
-          </a:p>
-          <a:p>
-            <a:pPr algn="ctr"/>
-            <a:r>
-              <a:rPr b="0" sz="8800">
-                <a:latin typeface="1훈하얀고양이 R"/>
-              </a:rPr>
-              <a:t>거룩한 그 몸으로</a:t>
-            </a:r>
-          </a:p>
-          <a:p>
-            <a:pPr algn="ctr"/>
-            <a:r>
-              <a:rPr b="0" sz="8800">
-                <a:latin typeface="1훈하얀고양이 R"/>
-              </a:rPr>
-              <a:t>더욱 복되집니다</a:t>
+              <a:t>이 세상에 참된 평화</a:t>
+            </a:r>
+          </a:p>
+          <a:p>
+            <a:pPr algn="ctr"/>
+            <a:r>
+              <a:rPr b="0" sz="8800">
+                <a:latin typeface="1훈하얀고양이 R"/>
+              </a:rPr>
+              <a:t>넘쳐 나도록</a:t>
+            </a:r>
+          </a:p>
+          <a:p>
+            <a:pPr algn="ctr"/>
+            <a:r>
+              <a:rPr b="0" sz="8800">
+                <a:latin typeface="1훈하얀고양이 R"/>
+              </a:rPr>
+              <a:t>예수님의 작은 일꾼</a:t>
+            </a:r>
+          </a:p>
+          <a:p>
+            <a:pPr algn="ctr"/>
+            <a:r>
+              <a:rPr b="0" sz="8800">
+                <a:latin typeface="1훈하얀고양이 R"/>
+              </a:rPr>
+              <a:t>되게 하셔요</a:t>
             </a:r>
           </a:p>
         </p:txBody>
@@ -4590,34 +4558,34 @@
               <a:rPr b="0" sz="8800">
                 <a:latin typeface="1훈하얀고양이 R"/>
               </a:rPr>
-              <a:t>2. 작고 고운 제 맘에</a:t>
-            </a:r>
-          </a:p>
-          <a:p>
-            <a:pPr algn="ctr"/>
-            <a:r>
-              <a:rPr b="0" sz="8800">
-                <a:latin typeface="1훈하얀고양이 R"/>
-              </a:rPr>
-              <a:t>예수님 오셔요</a:t>
-            </a:r>
-          </a:p>
-          <a:p>
-            <a:pPr algn="ctr"/>
-            <a:r>
-              <a:rPr b="0" sz="8800">
-                <a:latin typeface="1훈하얀고양이 R"/>
-              </a:rPr>
-              <a:t>무지개 빛보다도</a:t>
-            </a:r>
-          </a:p>
-          <a:p>
-            <a:pPr algn="ctr"/>
-            <a:r>
-              <a:rPr b="0" sz="8800">
-                <a:latin typeface="1훈하얀고양이 R"/>
-              </a:rPr>
-              <a:t>저는 더 고와요</a:t>
+              <a:t>하나되어 나누어요</a:t>
+            </a:r>
+          </a:p>
+          <a:p>
+            <a:pPr algn="ctr"/>
+            <a:r>
+              <a:rPr b="0" sz="8800">
+                <a:latin typeface="1훈하얀고양이 R"/>
+              </a:rPr>
+              <a:t>예수님 사랑</a:t>
+            </a:r>
+          </a:p>
+          <a:p>
+            <a:pPr algn="ctr"/>
+            <a:r>
+              <a:rPr b="0" sz="8800">
+                <a:latin typeface="1훈하얀고양이 R"/>
+              </a:rPr>
+              <a:t>하나되어 나누어요</a:t>
+            </a:r>
+          </a:p>
+          <a:p>
+            <a:pPr algn="ctr"/>
+            <a:r>
+              <a:rPr b="0" sz="8800">
+                <a:latin typeface="1훈하얀고양이 R"/>
+              </a:rPr>
+              <a:t>예수님 평화</a:t>
             </a:r>
           </a:p>
         </p:txBody>
@@ -4824,37 +4792,19 @@
           <a:p>
             <a:pPr algn="ctr"/>
             <a:r>
-              <a:rPr b="0" sz="8800">
-                <a:latin typeface="1훈하얀고양이 R"/>
-              </a:rPr>
-              <a:t>정성되이 모시고자 </a:t>
-            </a:r>
-          </a:p>
-          <a:p>
-            <a:pPr algn="ctr"/>
-            <a:r>
-              <a:rPr b="0" sz="8800">
-                <a:latin typeface="1훈하얀고양이 R"/>
-              </a:rPr>
-              <a:t>가꾼 이 마음</a:t>
-            </a:r>
-          </a:p>
-          <a:p>
-            <a:pPr algn="ctr"/>
-            <a:r>
-              <a:rPr b="0" sz="8800">
-                <a:latin typeface="1훈하얀고양이 R"/>
-              </a:rPr>
-              <a:t>거룩한 그 몸으로 </a:t>
-            </a:r>
-          </a:p>
-          <a:p>
-            <a:pPr algn="ctr"/>
-            <a:r>
-              <a:rPr b="0" sz="8800">
-                <a:latin typeface="1훈하얀고양이 R"/>
-              </a:rPr>
-              <a:t>더욱 고와집니다</a:t>
+              <a:rPr b="1" sz="11500">
+                <a:latin typeface="1훈하얀고양이 R"/>
+              </a:rPr>
+              <a:t>성체성가</a:t>
+            </a:r>
+          </a:p>
+          <a:p>
+            <a:pPr algn="ctr"/>
+            <a:r>
+              <a:rPr b="0" sz="8800">
+                <a:latin typeface="1훈하얀고양이 R"/>
+              </a:rPr>
+              <a:t>85 예수님 오셔요</a:t>
             </a:r>
           </a:p>
         </p:txBody>
@@ -4892,11 +4842,11 @@
             <a:avLst/>
           </a:prstGeom>
           <a:solidFill>
-            <a:srgbClr val="000000"/>
+            <a:srgbClr val="FFFCC5"/>
           </a:solidFill>
           <a:ln>
             <a:solidFill>
-              <a:srgbClr val="000000"/>
+              <a:srgbClr val="FFFCC5"/>
             </a:solidFill>
           </a:ln>
         </p:spPr>
@@ -4919,6 +4869,66 @@
           <a:lstStyle/>
           <a:p>
             <a:pPr algn="ctr"/>
+          </a:p>
+        </p:txBody>
+      </p:sp>
+      <p:sp>
+        <p:nvSpPr>
+          <p:cNvPr id="3" name="TextBox 2"/>
+          <p:cNvSpPr txBox="1"/>
+          <p:nvPr/>
+        </p:nvSpPr>
+        <p:spPr>
+          <a:xfrm>
+            <a:off x="0" y="0"/>
+            <a:ext cx="9144000" cy="6858000"/>
+          </a:xfrm>
+          <a:prstGeom prst="rect">
+            <a:avLst/>
+          </a:prstGeom>
+          <a:noFill/>
+        </p:spPr>
+        <p:txBody>
+          <a:bodyPr wrap="square" anchor="ctr">
+            <a:spAutoFit/>
+          </a:bodyPr>
+          <a:lstStyle/>
+          <a:p/>
+          <a:p>
+            <a:pPr algn="ctr"/>
+            <a:r>
+              <a:rPr b="0" sz="8800">
+                <a:latin typeface="1훈하얀고양이 R"/>
+              </a:rPr>
+              <a:t>1. 작고 복된 제 맘에</a:t>
+            </a:r>
+          </a:p>
+          <a:p>
+            <a:pPr algn="ctr"/>
+            <a:r>
+              <a:rPr b="0" sz="8800">
+                <a:latin typeface="1훈하얀고양이 R"/>
+              </a:rPr>
+              <a:t>예수님 오셔요</a:t>
+            </a:r>
+          </a:p>
+          <a:p>
+            <a:pPr algn="ctr"/>
+            <a:r>
+              <a:rPr b="0" sz="8800">
+                <a:latin typeface="1훈하얀고양이 R"/>
+              </a:rPr>
+              <a:t>잠자는 아가보다</a:t>
+            </a:r>
+          </a:p>
+          <a:p>
+            <a:pPr algn="ctr"/>
+            <a:r>
+              <a:rPr b="0" sz="8800">
+                <a:latin typeface="1훈하얀고양이 R"/>
+              </a:rPr>
+              <a:t>저는 더 복되어요</a:t>
+            </a:r>
           </a:p>
         </p:txBody>
       </p:sp>
@@ -5010,55 +5020,37 @@
           <a:p>
             <a:pPr algn="ctr"/>
             <a:r>
-              <a:rPr b="0" sz="7200">
-                <a:latin typeface="1훈하얀고양이 R"/>
-              </a:rPr>
-              <a:t>† 주님께서 여러분과 함께</a:t>
-            </a:r>
-          </a:p>
-          <a:p>
-            <a:pPr algn="ctr"/>
-            <a:r>
-              <a:rPr b="1" sz="7200">
-                <a:latin typeface="1훈하얀고양이 R"/>
-              </a:rPr>
-              <a:t>◎ 또한 사제의 영과 함께</a:t>
-            </a:r>
-          </a:p>
-          <a:p>
-            <a:pPr algn="ctr"/>
-            <a:r>
-              <a:rPr b="0" sz="7200">
-                <a:latin typeface="1훈하얀고양이 R"/>
-              </a:rPr>
-              <a:t>† 전능하신 천주 성부와 성자와 </a:t>
-            </a:r>
-          </a:p>
-          <a:p>
-            <a:pPr algn="ctr"/>
-            <a:r>
-              <a:rPr b="0" sz="7200">
-                <a:latin typeface="1훈하얀고양이 R"/>
-              </a:rPr>
-              <a:t>성령께서는 여기 모인 </a:t>
-            </a:r>
-          </a:p>
-          <a:p>
-            <a:pPr algn="ctr"/>
-            <a:r>
-              <a:rPr b="0" sz="7200">
-                <a:latin typeface="1훈하얀고양이 R"/>
-              </a:rPr>
-              <a:t>모든 이에게 강복하소서.</a:t>
-            </a:r>
-          </a:p>
-          <a:p>
-            <a:pPr algn="ctr"/>
-            <a:r>
-              <a:rPr b="1" sz="7200">
-                <a:latin typeface="1훈하얀고양이 R"/>
-              </a:rPr>
-              <a:t>◎ 아멘</a:t>
+              <a:rPr b="0" sz="8800">
+                <a:latin typeface="1훈하얀고양이 R"/>
+              </a:rPr>
+              <a:t>정성되이 모시고자</a:t>
+            </a:r>
+          </a:p>
+          <a:p>
+            <a:pPr algn="ctr"/>
+            <a:r>
+              <a:rPr b="0" sz="8800">
+                <a:latin typeface="1훈하얀고양이 R"/>
+              </a:rPr>
+              <a:t>가꾼 이 마음</a:t>
+            </a:r>
+          </a:p>
+          <a:p>
+            <a:pPr algn="ctr"/>
+            <a:r>
+              <a:rPr b="0" sz="8800">
+                <a:latin typeface="1훈하얀고양이 R"/>
+              </a:rPr>
+              <a:t>거룩한 그 몸으로</a:t>
+            </a:r>
+          </a:p>
+          <a:p>
+            <a:pPr algn="ctr"/>
+            <a:r>
+              <a:rPr b="0" sz="8800">
+                <a:latin typeface="1훈하얀고양이 R"/>
+              </a:rPr>
+              <a:t>더욱 복되집니다</a:t>
             </a:r>
           </a:p>
         </p:txBody>
@@ -5151,6 +5143,456 @@
           <a:p>
             <a:pPr algn="ctr"/>
             <a:r>
+              <a:rPr b="0" sz="8800">
+                <a:latin typeface="1훈하얀고양이 R"/>
+              </a:rPr>
+              <a:t>2. 작고 고운 제 맘에</a:t>
+            </a:r>
+          </a:p>
+          <a:p>
+            <a:pPr algn="ctr"/>
+            <a:r>
+              <a:rPr b="0" sz="8800">
+                <a:latin typeface="1훈하얀고양이 R"/>
+              </a:rPr>
+              <a:t>예수님 오셔요</a:t>
+            </a:r>
+          </a:p>
+          <a:p>
+            <a:pPr algn="ctr"/>
+            <a:r>
+              <a:rPr b="0" sz="8800">
+                <a:latin typeface="1훈하얀고양이 R"/>
+              </a:rPr>
+              <a:t>무지개 빛보다도</a:t>
+            </a:r>
+          </a:p>
+          <a:p>
+            <a:pPr algn="ctr"/>
+            <a:r>
+              <a:rPr b="0" sz="8800">
+                <a:latin typeface="1훈하얀고양이 R"/>
+              </a:rPr>
+              <a:t>저는 더 고와요</a:t>
+            </a:r>
+          </a:p>
+        </p:txBody>
+      </p:sp>
+    </p:spTree>
+  </p:cSld>
+  <p:clrMapOvr>
+    <a:masterClrMapping/>
+  </p:clrMapOvr>
+</p:sld>
+</file>
+
+<file path=ppt/slides/slide114.xml><?xml version="1.0" encoding="utf-8"?>
+<p:sld xmlns:a="http://schemas.openxmlformats.org/drawingml/2006/main" xmlns:p="http://schemas.openxmlformats.org/presentationml/2006/main" xmlns:r="http://schemas.openxmlformats.org/officeDocument/2006/relationships">
+  <p:cSld>
+    <p:spTree>
+      <p:nvGrpSpPr>
+        <p:cNvPr id="1" name=""/>
+        <p:cNvGrpSpPr/>
+        <p:nvPr/>
+      </p:nvGrpSpPr>
+      <p:grpSpPr/>
+      <p:sp>
+        <p:nvSpPr>
+          <p:cNvPr id="2" name="Rectangle 1"/>
+          <p:cNvSpPr/>
+          <p:nvPr/>
+        </p:nvSpPr>
+        <p:spPr>
+          <a:xfrm>
+            <a:off x="0" y="0"/>
+            <a:ext cx="9144000" cy="6858000"/>
+          </a:xfrm>
+          <a:prstGeom prst="rect">
+            <a:avLst/>
+          </a:prstGeom>
+          <a:solidFill>
+            <a:srgbClr val="FFFCC5"/>
+          </a:solidFill>
+          <a:ln>
+            <a:solidFill>
+              <a:srgbClr val="FFFCC5"/>
+            </a:solidFill>
+          </a:ln>
+        </p:spPr>
+        <p:style>
+          <a:lnRef idx="1">
+            <a:schemeClr val="accent1"/>
+          </a:lnRef>
+          <a:fillRef idx="3">
+            <a:schemeClr val="accent1"/>
+          </a:fillRef>
+          <a:effectRef idx="2">
+            <a:schemeClr val="accent1"/>
+          </a:effectRef>
+          <a:fontRef idx="minor">
+            <a:schemeClr val="lt1"/>
+          </a:fontRef>
+        </p:style>
+        <p:txBody>
+          <a:bodyPr rtlCol="0" anchor="ctr"/>
+          <a:lstStyle/>
+          <a:p>
+            <a:pPr algn="ctr"/>
+          </a:p>
+        </p:txBody>
+      </p:sp>
+      <p:sp>
+        <p:nvSpPr>
+          <p:cNvPr id="3" name="TextBox 2"/>
+          <p:cNvSpPr txBox="1"/>
+          <p:nvPr/>
+        </p:nvSpPr>
+        <p:spPr>
+          <a:xfrm>
+            <a:off x="0" y="0"/>
+            <a:ext cx="9144000" cy="6858000"/>
+          </a:xfrm>
+          <a:prstGeom prst="rect">
+            <a:avLst/>
+          </a:prstGeom>
+          <a:noFill/>
+        </p:spPr>
+        <p:txBody>
+          <a:bodyPr wrap="square" anchor="ctr">
+            <a:spAutoFit/>
+          </a:bodyPr>
+          <a:lstStyle/>
+          <a:p/>
+          <a:p>
+            <a:pPr algn="ctr"/>
+            <a:r>
+              <a:rPr b="0" sz="8800">
+                <a:latin typeface="1훈하얀고양이 R"/>
+              </a:rPr>
+              <a:t>정성되이 모시고자 </a:t>
+            </a:r>
+          </a:p>
+          <a:p>
+            <a:pPr algn="ctr"/>
+            <a:r>
+              <a:rPr b="0" sz="8800">
+                <a:latin typeface="1훈하얀고양이 R"/>
+              </a:rPr>
+              <a:t>가꾼 이 마음</a:t>
+            </a:r>
+          </a:p>
+          <a:p>
+            <a:pPr algn="ctr"/>
+            <a:r>
+              <a:rPr b="0" sz="8800">
+                <a:latin typeface="1훈하얀고양이 R"/>
+              </a:rPr>
+              <a:t>거룩한 그 몸으로 </a:t>
+            </a:r>
+          </a:p>
+          <a:p>
+            <a:pPr algn="ctr"/>
+            <a:r>
+              <a:rPr b="0" sz="8800">
+                <a:latin typeface="1훈하얀고양이 R"/>
+              </a:rPr>
+              <a:t>더욱 고와집니다</a:t>
+            </a:r>
+          </a:p>
+        </p:txBody>
+      </p:sp>
+    </p:spTree>
+  </p:cSld>
+  <p:clrMapOvr>
+    <a:masterClrMapping/>
+  </p:clrMapOvr>
+</p:sld>
+</file>
+
+<file path=ppt/slides/slide115.xml><?xml version="1.0" encoding="utf-8"?>
+<p:sld xmlns:a="http://schemas.openxmlformats.org/drawingml/2006/main" xmlns:p="http://schemas.openxmlformats.org/presentationml/2006/main" xmlns:r="http://schemas.openxmlformats.org/officeDocument/2006/relationships">
+  <p:cSld>
+    <p:spTree>
+      <p:nvGrpSpPr>
+        <p:cNvPr id="1" name=""/>
+        <p:cNvGrpSpPr/>
+        <p:nvPr/>
+      </p:nvGrpSpPr>
+      <p:grpSpPr/>
+      <p:sp>
+        <p:nvSpPr>
+          <p:cNvPr id="2" name="Rectangle 1"/>
+          <p:cNvSpPr/>
+          <p:nvPr/>
+        </p:nvSpPr>
+        <p:spPr>
+          <a:xfrm>
+            <a:off x="0" y="0"/>
+            <a:ext cx="9144000" cy="6858000"/>
+          </a:xfrm>
+          <a:prstGeom prst="rect">
+            <a:avLst/>
+          </a:prstGeom>
+          <a:solidFill>
+            <a:srgbClr val="000000"/>
+          </a:solidFill>
+          <a:ln>
+            <a:solidFill>
+              <a:srgbClr val="000000"/>
+            </a:solidFill>
+          </a:ln>
+        </p:spPr>
+        <p:style>
+          <a:lnRef idx="1">
+            <a:schemeClr val="accent1"/>
+          </a:lnRef>
+          <a:fillRef idx="3">
+            <a:schemeClr val="accent1"/>
+          </a:fillRef>
+          <a:effectRef idx="2">
+            <a:schemeClr val="accent1"/>
+          </a:effectRef>
+          <a:fontRef idx="minor">
+            <a:schemeClr val="lt1"/>
+          </a:fontRef>
+        </p:style>
+        <p:txBody>
+          <a:bodyPr rtlCol="0" anchor="ctr"/>
+          <a:lstStyle/>
+          <a:p>
+            <a:pPr algn="ctr"/>
+          </a:p>
+        </p:txBody>
+      </p:sp>
+    </p:spTree>
+  </p:cSld>
+  <p:clrMapOvr>
+    <a:masterClrMapping/>
+  </p:clrMapOvr>
+</p:sld>
+</file>
+
+<file path=ppt/slides/slide116.xml><?xml version="1.0" encoding="utf-8"?>
+<p:sld xmlns:a="http://schemas.openxmlformats.org/drawingml/2006/main" xmlns:p="http://schemas.openxmlformats.org/presentationml/2006/main" xmlns:r="http://schemas.openxmlformats.org/officeDocument/2006/relationships">
+  <p:cSld>
+    <p:spTree>
+      <p:nvGrpSpPr>
+        <p:cNvPr id="1" name=""/>
+        <p:cNvGrpSpPr/>
+        <p:nvPr/>
+      </p:nvGrpSpPr>
+      <p:grpSpPr/>
+      <p:sp>
+        <p:nvSpPr>
+          <p:cNvPr id="2" name="Rectangle 1"/>
+          <p:cNvSpPr/>
+          <p:nvPr/>
+        </p:nvSpPr>
+        <p:spPr>
+          <a:xfrm>
+            <a:off x="0" y="0"/>
+            <a:ext cx="9144000" cy="6858000"/>
+          </a:xfrm>
+          <a:prstGeom prst="rect">
+            <a:avLst/>
+          </a:prstGeom>
+          <a:solidFill>
+            <a:srgbClr val="FFFCC5"/>
+          </a:solidFill>
+          <a:ln>
+            <a:solidFill>
+              <a:srgbClr val="FFFCC5"/>
+            </a:solidFill>
+          </a:ln>
+        </p:spPr>
+        <p:style>
+          <a:lnRef idx="1">
+            <a:schemeClr val="accent1"/>
+          </a:lnRef>
+          <a:fillRef idx="3">
+            <a:schemeClr val="accent1"/>
+          </a:fillRef>
+          <a:effectRef idx="2">
+            <a:schemeClr val="accent1"/>
+          </a:effectRef>
+          <a:fontRef idx="minor">
+            <a:schemeClr val="lt1"/>
+          </a:fontRef>
+        </p:style>
+        <p:txBody>
+          <a:bodyPr rtlCol="0" anchor="ctr"/>
+          <a:lstStyle/>
+          <a:p>
+            <a:pPr algn="ctr"/>
+          </a:p>
+        </p:txBody>
+      </p:sp>
+      <p:sp>
+        <p:nvSpPr>
+          <p:cNvPr id="3" name="TextBox 2"/>
+          <p:cNvSpPr txBox="1"/>
+          <p:nvPr/>
+        </p:nvSpPr>
+        <p:spPr>
+          <a:xfrm>
+            <a:off x="0" y="0"/>
+            <a:ext cx="9144000" cy="6858000"/>
+          </a:xfrm>
+          <a:prstGeom prst="rect">
+            <a:avLst/>
+          </a:prstGeom>
+          <a:noFill/>
+        </p:spPr>
+        <p:txBody>
+          <a:bodyPr wrap="square" anchor="ctr">
+            <a:spAutoFit/>
+          </a:bodyPr>
+          <a:lstStyle/>
+          <a:p/>
+          <a:p>
+            <a:pPr algn="ctr"/>
+            <a:r>
+              <a:rPr b="0" sz="7200">
+                <a:latin typeface="1훈하얀고양이 R"/>
+              </a:rPr>
+              <a:t>† 주님께서 여러분과 함께</a:t>
+            </a:r>
+          </a:p>
+          <a:p>
+            <a:pPr algn="ctr"/>
+            <a:r>
+              <a:rPr b="1" sz="7200">
+                <a:latin typeface="1훈하얀고양이 R"/>
+              </a:rPr>
+              <a:t>◎ 또한 사제의 영과 함께</a:t>
+            </a:r>
+          </a:p>
+          <a:p>
+            <a:pPr algn="ctr"/>
+            <a:r>
+              <a:rPr b="0" sz="7200">
+                <a:latin typeface="1훈하얀고양이 R"/>
+              </a:rPr>
+              <a:t>† 전능하신 천주 성부와 성자와 </a:t>
+            </a:r>
+          </a:p>
+          <a:p>
+            <a:pPr algn="ctr"/>
+            <a:r>
+              <a:rPr b="0" sz="7200">
+                <a:latin typeface="1훈하얀고양이 R"/>
+              </a:rPr>
+              <a:t>성령께서는 여기 모인 </a:t>
+            </a:r>
+          </a:p>
+          <a:p>
+            <a:pPr algn="ctr"/>
+            <a:r>
+              <a:rPr b="0" sz="7200">
+                <a:latin typeface="1훈하얀고양이 R"/>
+              </a:rPr>
+              <a:t>모든 이에게 강복하소서.</a:t>
+            </a:r>
+          </a:p>
+          <a:p>
+            <a:pPr algn="ctr"/>
+            <a:r>
+              <a:rPr b="1" sz="7200">
+                <a:latin typeface="1훈하얀고양이 R"/>
+              </a:rPr>
+              <a:t>◎ 아멘</a:t>
+            </a:r>
+          </a:p>
+        </p:txBody>
+      </p:sp>
+    </p:spTree>
+  </p:cSld>
+  <p:clrMapOvr>
+    <a:masterClrMapping/>
+  </p:clrMapOvr>
+</p:sld>
+</file>
+
+<file path=ppt/slides/slide117.xml><?xml version="1.0" encoding="utf-8"?>
+<p:sld xmlns:a="http://schemas.openxmlformats.org/drawingml/2006/main" xmlns:p="http://schemas.openxmlformats.org/presentationml/2006/main" xmlns:r="http://schemas.openxmlformats.org/officeDocument/2006/relationships">
+  <p:cSld>
+    <p:spTree>
+      <p:nvGrpSpPr>
+        <p:cNvPr id="1" name=""/>
+        <p:cNvGrpSpPr/>
+        <p:nvPr/>
+      </p:nvGrpSpPr>
+      <p:grpSpPr/>
+      <p:sp>
+        <p:nvSpPr>
+          <p:cNvPr id="2" name="Rectangle 1"/>
+          <p:cNvSpPr/>
+          <p:nvPr/>
+        </p:nvSpPr>
+        <p:spPr>
+          <a:xfrm>
+            <a:off x="0" y="0"/>
+            <a:ext cx="9144000" cy="6858000"/>
+          </a:xfrm>
+          <a:prstGeom prst="rect">
+            <a:avLst/>
+          </a:prstGeom>
+          <a:solidFill>
+            <a:srgbClr val="FFFCC5"/>
+          </a:solidFill>
+          <a:ln>
+            <a:solidFill>
+              <a:srgbClr val="FFFCC5"/>
+            </a:solidFill>
+          </a:ln>
+        </p:spPr>
+        <p:style>
+          <a:lnRef idx="1">
+            <a:schemeClr val="accent1"/>
+          </a:lnRef>
+          <a:fillRef idx="3">
+            <a:schemeClr val="accent1"/>
+          </a:fillRef>
+          <a:effectRef idx="2">
+            <a:schemeClr val="accent1"/>
+          </a:effectRef>
+          <a:fontRef idx="minor">
+            <a:schemeClr val="lt1"/>
+          </a:fontRef>
+        </p:style>
+        <p:txBody>
+          <a:bodyPr rtlCol="0" anchor="ctr"/>
+          <a:lstStyle/>
+          <a:p>
+            <a:pPr algn="ctr"/>
+          </a:p>
+        </p:txBody>
+      </p:sp>
+      <p:sp>
+        <p:nvSpPr>
+          <p:cNvPr id="3" name="TextBox 2"/>
+          <p:cNvSpPr txBox="1"/>
+          <p:nvPr/>
+        </p:nvSpPr>
+        <p:spPr>
+          <a:xfrm>
+            <a:off x="0" y="0"/>
+            <a:ext cx="9144000" cy="6858000"/>
+          </a:xfrm>
+          <a:prstGeom prst="rect">
+            <a:avLst/>
+          </a:prstGeom>
+          <a:noFill/>
+        </p:spPr>
+        <p:txBody>
+          <a:bodyPr wrap="square" anchor="ctr">
+            <a:spAutoFit/>
+          </a:bodyPr>
+          <a:lstStyle/>
+          <a:p/>
+          <a:p>
+            <a:pPr algn="ctr"/>
+            <a:r>
               <a:rPr b="1" sz="11500">
                 <a:latin typeface="1훈하얀고양이 R"/>
               </a:rPr>
@@ -10707,10 +11149,46 @@
           <a:p>
             <a:pPr algn="ctr"/>
             <a:r>
-              <a:rPr b="1" sz="11500">
-                <a:latin typeface="1훈하얀고양이 R"/>
-              </a:rPr>
-              <a:t>신앙고백</a:t>
+              <a:rPr b="0" sz="8800">
+                <a:latin typeface="1훈하얀고양이 R"/>
+              </a:rPr>
+              <a:t>Q1.</a:t>
+            </a:r>
+          </a:p>
+          <a:p>
+            <a:pPr algn="ctr"/>
+            <a:r>
+              <a:rPr b="0" sz="8800">
+                <a:latin typeface="1훈하얀고양이 R"/>
+              </a:rPr>
+              <a:t>예수님께서, 전통과 </a:t>
+            </a:r>
+          </a:p>
+          <a:p>
+            <a:pPr algn="ctr"/>
+            <a:r>
+              <a:rPr b="0" sz="8800">
+                <a:latin typeface="1훈하얀고양이 R"/>
+              </a:rPr>
+              <a:t>관습을 지키는 </a:t>
+            </a:r>
+          </a:p>
+          <a:p>
+            <a:pPr algn="ctr"/>
+            <a:r>
+              <a:rPr b="0" sz="8800">
+                <a:latin typeface="1훈하얀고양이 R"/>
+              </a:rPr>
+              <a:t>유대인들에게 뭐라고 </a:t>
+            </a:r>
+          </a:p>
+          <a:p>
+            <a:pPr algn="ctr"/>
+            <a:r>
+              <a:rPr b="0" sz="8800">
+                <a:latin typeface="1훈하얀고양이 R"/>
+              </a:rPr>
+              <a:t>이르셨나요?</a:t>
             </a:r>
           </a:p>
         </p:txBody>
@@ -10803,10 +11281,37 @@
           <a:p>
             <a:pPr algn="ctr"/>
             <a:r>
-              <a:rPr b="1" sz="11500">
-                <a:latin typeface="1훈하얀고양이 R"/>
-              </a:rPr>
-              <a:t>보편지향기도</a:t>
+              <a:rPr b="0" sz="8800">
+                <a:latin typeface="1훈하얀고양이 R"/>
+              </a:rPr>
+              <a:t>A1.</a:t>
+            </a:r>
+          </a:p>
+          <a:p>
+            <a:pPr algn="ctr"/>
+            <a:r>
+              <a:rPr b="0" sz="8800">
+                <a:latin typeface="1훈하얀고양이 R"/>
+              </a:rPr>
+              <a:t>"너희는 하느님의 계명을 </a:t>
+            </a:r>
+          </a:p>
+          <a:p>
+            <a:pPr algn="ctr"/>
+            <a:r>
+              <a:rPr b="0" sz="8800">
+                <a:latin typeface="1훈하얀고양이 R"/>
+              </a:rPr>
+              <a:t>버리고 사람의 전통을 </a:t>
+            </a:r>
+          </a:p>
+          <a:p>
+            <a:pPr algn="ctr"/>
+            <a:r>
+              <a:rPr b="0" sz="8800">
+                <a:latin typeface="1훈하얀고양이 R"/>
+              </a:rPr>
+              <a:t>지키는 것이다."</a:t>
             </a:r>
           </a:p>
         </p:txBody>
@@ -10899,19 +11404,37 @@
           <a:p>
             <a:pPr algn="ctr"/>
             <a:r>
-              <a:rPr b="1" sz="8800">
-                <a:latin typeface="1훈하얀고양이 R"/>
-              </a:rPr>
-              <a:t>1. 하느님의 백성을 </a:t>
-            </a:r>
-          </a:p>
-          <a:p>
-            <a:pPr algn="ctr"/>
-            <a:r>
-              <a:rPr b="1" sz="8800">
-                <a:latin typeface="1훈하얀고양이 R"/>
-              </a:rPr>
-              <a:t>위하여 기도드려요.</a:t>
+              <a:rPr b="0" sz="8800">
+                <a:latin typeface="1훈하얀고양이 R"/>
+              </a:rPr>
+              <a:t>Q2.</a:t>
+            </a:r>
+          </a:p>
+          <a:p>
+            <a:pPr algn="ctr"/>
+            <a:r>
+              <a:rPr b="0" sz="8800">
+                <a:latin typeface="1훈하얀고양이 R"/>
+              </a:rPr>
+              <a:t>예수님께서 말씀하신, </a:t>
+            </a:r>
+          </a:p>
+          <a:p>
+            <a:pPr algn="ctr"/>
+            <a:r>
+              <a:rPr b="0" sz="8800">
+                <a:latin typeface="1훈하얀고양이 R"/>
+              </a:rPr>
+              <a:t>사람을 더럽힐 수 있는 </a:t>
+            </a:r>
+          </a:p>
+          <a:p>
+            <a:pPr algn="ctr"/>
+            <a:r>
+              <a:rPr b="0" sz="8800">
+                <a:latin typeface="1훈하얀고양이 R"/>
+              </a:rPr>
+              <a:t>것은 무엇인가요?</a:t>
             </a:r>
           </a:p>
         </p:txBody>
@@ -11007,43 +11530,16 @@
               <a:rPr b="0" sz="8800">
                 <a:latin typeface="1훈하얀고양이 R"/>
               </a:rPr>
-              <a:t>목자이신 주님, 모든 </a:t>
-            </a:r>
-          </a:p>
-          <a:p>
-            <a:pPr algn="ctr"/>
-            <a:r>
-              <a:rPr b="0" sz="8800">
-                <a:latin typeface="1훈하얀고양이 R"/>
-              </a:rPr>
-              <a:t>그리스도인들을 위하여 </a:t>
-            </a:r>
-          </a:p>
-          <a:p>
-            <a:pPr algn="ctr"/>
-            <a:r>
-              <a:rPr b="0" sz="8800">
-                <a:latin typeface="1훈하얀고양이 R"/>
-              </a:rPr>
-              <a:t>기도드리니 ,저희가 </a:t>
-            </a:r>
-          </a:p>
-          <a:p>
-            <a:pPr algn="ctr"/>
-            <a:r>
-              <a:rPr b="0" sz="8800">
-                <a:latin typeface="1훈하얀고양이 R"/>
-              </a:rPr>
-              <a:t>주님께서 베풀어 주시는 </a:t>
-            </a:r>
-          </a:p>
-          <a:p>
-            <a:pPr algn="ctr"/>
-            <a:r>
-              <a:rPr b="0" sz="8800">
-                <a:latin typeface="1훈하얀고양이 R"/>
-              </a:rPr>
-              <a:t>사랑을 깨닫게 하여 </a:t>
+              <a:t>A2.</a:t>
+            </a:r>
+          </a:p>
+          <a:p>
+            <a:pPr algn="ctr"/>
+            <a:r>
+              <a:rPr b="0" sz="8800">
+                <a:latin typeface="1훈하얀고양이 R"/>
+              </a:rPr>
+              <a:t>사람에게서 나오는 것</a:t>
             </a:r>
           </a:p>
         </p:txBody>
@@ -11136,37 +11632,10 @@
           <a:p>
             <a:pPr algn="ctr"/>
             <a:r>
-              <a:rPr b="0" sz="8800">
-                <a:latin typeface="1훈하얀고양이 R"/>
-              </a:rPr>
-              <a:t>주시고, 당신을 닮은 말과 </a:t>
-            </a:r>
-          </a:p>
-          <a:p>
-            <a:pPr algn="ctr"/>
-            <a:r>
-              <a:rPr b="0" sz="8800">
-                <a:latin typeface="1훈하얀고양이 R"/>
-              </a:rPr>
-              <a:t>행동으로 더욱 좋은 </a:t>
-            </a:r>
-          </a:p>
-          <a:p>
-            <a:pPr algn="ctr"/>
-            <a:r>
-              <a:rPr b="0" sz="8800">
-                <a:latin typeface="1훈하얀고양이 R"/>
-              </a:rPr>
-              <a:t>세상을 만들어 가게 해 </a:t>
-            </a:r>
-          </a:p>
-          <a:p>
-            <a:pPr algn="ctr"/>
-            <a:r>
-              <a:rPr b="0" sz="8800">
-                <a:latin typeface="1훈하얀고양이 R"/>
-              </a:rPr>
-              <a:t>주세요.</a:t>
+              <a:rPr b="1" sz="11500">
+                <a:latin typeface="1훈하얀고양이 R"/>
+              </a:rPr>
+              <a:t>신앙고백</a:t>
             </a:r>
           </a:p>
         </p:txBody>
@@ -11259,19 +11728,10 @@
           <a:p>
             <a:pPr algn="ctr"/>
             <a:r>
-              <a:rPr b="1" sz="8800">
-                <a:latin typeface="1훈하얀고양이 R"/>
-              </a:rPr>
-              <a:t>♪ 주님 저희의 기도를</a:t>
-            </a:r>
-          </a:p>
-          <a:p>
-            <a:pPr algn="ctr"/>
-            <a:r>
-              <a:rPr b="1" sz="8800">
-                <a:latin typeface="1훈하얀고양이 R"/>
-              </a:rPr>
-              <a:t>들어주소서</a:t>
+              <a:rPr b="1" sz="11500">
+                <a:latin typeface="1훈하얀고양이 R"/>
+              </a:rPr>
+              <a:t>보편지향기도</a:t>
             </a:r>
           </a:p>
         </p:txBody>
@@ -11490,7 +11950,7 @@
               <a:rPr b="1" sz="8800">
                 <a:latin typeface="1훈하얀고양이 R"/>
               </a:rPr>
-              <a:t>2. 자연재해로 피해를 </a:t>
+              <a:t>1. 하느님의 백성을 </a:t>
             </a:r>
           </a:p>
           <a:p>
@@ -11499,16 +11959,7 @@
               <a:rPr b="1" sz="8800">
                 <a:latin typeface="1훈하얀고양이 R"/>
               </a:rPr>
-              <a:t>입은 사람들을 위하여 </a:t>
-            </a:r>
-          </a:p>
-          <a:p>
-            <a:pPr algn="ctr"/>
-            <a:r>
-              <a:rPr b="1" sz="8800">
-                <a:latin typeface="1훈하얀고양이 R"/>
-              </a:rPr>
-              <a:t>기도드려요.</a:t>
+              <a:t>위하여 기도드려요.</a:t>
             </a:r>
           </a:p>
         </p:txBody>
@@ -11604,43 +12055,43 @@
               <a:rPr b="0" sz="8800">
                 <a:latin typeface="1훈하얀고양이 R"/>
               </a:rPr>
-              <a:t>위로이신 주님, 홍수, </a:t>
-            </a:r>
-          </a:p>
-          <a:p>
-            <a:pPr algn="ctr"/>
-            <a:r>
-              <a:rPr b="0" sz="8800">
-                <a:latin typeface="1훈하얀고양이 R"/>
-              </a:rPr>
-              <a:t>가뭄, 지진 등으로 </a:t>
-            </a:r>
-          </a:p>
-          <a:p>
-            <a:pPr algn="ctr"/>
-            <a:r>
-              <a:rPr b="0" sz="8800">
-                <a:latin typeface="1훈하얀고양이 R"/>
-              </a:rPr>
-              <a:t>고통받는 사람들을 </a:t>
-            </a:r>
-          </a:p>
-          <a:p>
-            <a:pPr algn="ctr"/>
-            <a:r>
-              <a:rPr b="0" sz="8800">
-                <a:latin typeface="1훈하얀고양이 R"/>
-              </a:rPr>
-              <a:t>위하여 기도드리니, </a:t>
-            </a:r>
-          </a:p>
-          <a:p>
-            <a:pPr algn="ctr"/>
-            <a:r>
-              <a:rPr b="0" sz="8800">
-                <a:latin typeface="1훈하얀고양이 R"/>
-              </a:rPr>
-              <a:t>그들이 어려움 속에서도 </a:t>
+              <a:t>목자이신 주님, 모든 </a:t>
+            </a:r>
+          </a:p>
+          <a:p>
+            <a:pPr algn="ctr"/>
+            <a:r>
+              <a:rPr b="0" sz="8800">
+                <a:latin typeface="1훈하얀고양이 R"/>
+              </a:rPr>
+              <a:t>그리스도인들을 위하여 </a:t>
+            </a:r>
+          </a:p>
+          <a:p>
+            <a:pPr algn="ctr"/>
+            <a:r>
+              <a:rPr b="0" sz="8800">
+                <a:latin typeface="1훈하얀고양이 R"/>
+              </a:rPr>
+              <a:t>기도드리니 ,저희가 </a:t>
+            </a:r>
+          </a:p>
+          <a:p>
+            <a:pPr algn="ctr"/>
+            <a:r>
+              <a:rPr b="0" sz="8800">
+                <a:latin typeface="1훈하얀고양이 R"/>
+              </a:rPr>
+              <a:t>주님께서 베풀어 주시는 </a:t>
+            </a:r>
+          </a:p>
+          <a:p>
+            <a:pPr algn="ctr"/>
+            <a:r>
+              <a:rPr b="0" sz="8800">
+                <a:latin typeface="1훈하얀고양이 R"/>
+              </a:rPr>
+              <a:t>사랑을 깨닫게 하여 </a:t>
             </a:r>
           </a:p>
         </p:txBody>
@@ -11736,43 +12187,34 @@
               <a:rPr b="0" sz="8800">
                 <a:latin typeface="1훈하얀고양이 R"/>
               </a:rPr>
-              <a:t>희망을 잃지 않도록 </a:t>
-            </a:r>
-          </a:p>
-          <a:p>
-            <a:pPr algn="ctr"/>
-            <a:r>
-              <a:rPr b="0" sz="8800">
-                <a:latin typeface="1훈하얀고양이 R"/>
-              </a:rPr>
-              <a:t>도와주시고, 모든 시련을 </a:t>
-            </a:r>
-          </a:p>
-          <a:p>
-            <a:pPr algn="ctr"/>
-            <a:r>
-              <a:rPr b="0" sz="8800">
-                <a:latin typeface="1훈하얀고양이 R"/>
-              </a:rPr>
-              <a:t>이겨 내고 다시 힘차게 </a:t>
-            </a:r>
-          </a:p>
-          <a:p>
-            <a:pPr algn="ctr"/>
-            <a:r>
-              <a:rPr b="0" sz="8800">
-                <a:latin typeface="1훈하얀고양이 R"/>
-              </a:rPr>
-              <a:t>살아갈 수 있게 힘과 </a:t>
-            </a:r>
-          </a:p>
-          <a:p>
-            <a:pPr algn="ctr"/>
-            <a:r>
-              <a:rPr b="0" sz="8800">
-                <a:latin typeface="1훈하얀고양이 R"/>
-              </a:rPr>
-              <a:t>용기를 주세요.</a:t>
+              <a:t>주시고, 당신을 닮은 말과 </a:t>
+            </a:r>
+          </a:p>
+          <a:p>
+            <a:pPr algn="ctr"/>
+            <a:r>
+              <a:rPr b="0" sz="8800">
+                <a:latin typeface="1훈하얀고양이 R"/>
+              </a:rPr>
+              <a:t>행동으로 더욱 좋은 </a:t>
+            </a:r>
+          </a:p>
+          <a:p>
+            <a:pPr algn="ctr"/>
+            <a:r>
+              <a:rPr b="0" sz="8800">
+                <a:latin typeface="1훈하얀고양이 R"/>
+              </a:rPr>
+              <a:t>세상을 만들어 가게 해 </a:t>
+            </a:r>
+          </a:p>
+          <a:p>
+            <a:pPr algn="ctr"/>
+            <a:r>
+              <a:rPr b="0" sz="8800">
+                <a:latin typeface="1훈하얀고양이 R"/>
+              </a:rPr>
+              <a:t>주세요.</a:t>
             </a:r>
           </a:p>
         </p:txBody>
@@ -11970,19 +12412,28 @@
           <a:p>
             <a:pPr algn="ctr"/>
             <a:r>
-              <a:rPr b="1" sz="11500">
-                <a:latin typeface="1훈하얀고양이 R"/>
-              </a:rPr>
-              <a:t>봉헌성가</a:t>
-            </a:r>
-          </a:p>
-          <a:p>
-            <a:pPr algn="ctr"/>
-            <a:r>
-              <a:rPr b="0" sz="8800">
-                <a:latin typeface="1훈하얀고양이 R"/>
-              </a:rPr>
-              <a:t>67 성부 우리를</a:t>
+              <a:rPr b="1" sz="8800">
+                <a:latin typeface="1훈하얀고양이 R"/>
+              </a:rPr>
+              <a:t>2. 자연재해로 피해를 </a:t>
+            </a:r>
+          </a:p>
+          <a:p>
+            <a:pPr algn="ctr"/>
+            <a:r>
+              <a:rPr b="1" sz="8800">
+                <a:latin typeface="1훈하얀고양이 R"/>
+              </a:rPr>
+              <a:t>입은 사람들을 위하여 </a:t>
+            </a:r>
+          </a:p>
+          <a:p>
+            <a:pPr algn="ctr"/>
+            <a:r>
+              <a:rPr b="1" sz="8800">
+                <a:latin typeface="1훈하얀고양이 R"/>
+              </a:rPr>
+              <a:t>기도드려요.</a:t>
             </a:r>
           </a:p>
         </p:txBody>
@@ -12078,34 +12529,43 @@
               <a:rPr b="0" sz="8800">
                 <a:latin typeface="1훈하얀고양이 R"/>
               </a:rPr>
-              <a:t>1. 성부 우리를</a:t>
-            </a:r>
-          </a:p>
-          <a:p>
-            <a:pPr algn="ctr"/>
-            <a:r>
-              <a:rPr b="0" sz="8800">
-                <a:latin typeface="1훈하얀고양이 R"/>
-              </a:rPr>
-              <a:t>사랑하시어</a:t>
-            </a:r>
-          </a:p>
-          <a:p>
-            <a:pPr algn="ctr"/>
-            <a:r>
-              <a:rPr b="0" sz="8800">
-                <a:latin typeface="1훈하얀고양이 R"/>
-              </a:rPr>
-              <a:t>당신 아들을</a:t>
-            </a:r>
-          </a:p>
-          <a:p>
-            <a:pPr algn="ctr"/>
-            <a:r>
-              <a:rPr b="0" sz="8800">
-                <a:latin typeface="1훈하얀고양이 R"/>
-              </a:rPr>
-              <a:t>우리에게 주셨네</a:t>
+              <a:t>위로이신 주님, 홍수, </a:t>
+            </a:r>
+          </a:p>
+          <a:p>
+            <a:pPr algn="ctr"/>
+            <a:r>
+              <a:rPr b="0" sz="8800">
+                <a:latin typeface="1훈하얀고양이 R"/>
+              </a:rPr>
+              <a:t>가뭄, 지진 등으로 </a:t>
+            </a:r>
+          </a:p>
+          <a:p>
+            <a:pPr algn="ctr"/>
+            <a:r>
+              <a:rPr b="0" sz="8800">
+                <a:latin typeface="1훈하얀고양이 R"/>
+              </a:rPr>
+              <a:t>고통받는 사람들을 </a:t>
+            </a:r>
+          </a:p>
+          <a:p>
+            <a:pPr algn="ctr"/>
+            <a:r>
+              <a:rPr b="0" sz="8800">
+                <a:latin typeface="1훈하얀고양이 R"/>
+              </a:rPr>
+              <a:t>위하여 기도드리니, </a:t>
+            </a:r>
+          </a:p>
+          <a:p>
+            <a:pPr algn="ctr"/>
+            <a:r>
+              <a:rPr b="0" sz="8800">
+                <a:latin typeface="1훈하얀고양이 R"/>
+              </a:rPr>
+              <a:t>그들이 어려움 속에서도 </a:t>
             </a:r>
           </a:p>
         </p:txBody>
@@ -12201,34 +12661,43 @@
               <a:rPr b="0" sz="8800">
                 <a:latin typeface="1훈하얀고양이 R"/>
               </a:rPr>
-              <a:t>세상에 내리신</a:t>
-            </a:r>
-          </a:p>
-          <a:p>
-            <a:pPr algn="ctr"/>
-            <a:r>
-              <a:rPr b="0" sz="8800">
-                <a:latin typeface="1훈하얀고양이 R"/>
-              </a:rPr>
-              <a:t>성자 예수님은</a:t>
-            </a:r>
-          </a:p>
-          <a:p>
-            <a:pPr algn="ctr"/>
-            <a:r>
-              <a:rPr b="0" sz="8800">
-                <a:latin typeface="1훈하얀고양이 R"/>
-              </a:rPr>
-              <a:t>십자가 통하여</a:t>
-            </a:r>
-          </a:p>
-          <a:p>
-            <a:pPr algn="ctr"/>
-            <a:r>
-              <a:rPr b="0" sz="8800">
-                <a:latin typeface="1훈하얀고양이 R"/>
-              </a:rPr>
-              <a:t>우릴 구했네</a:t>
+              <a:t>희망을 잃지 않도록 </a:t>
+            </a:r>
+          </a:p>
+          <a:p>
+            <a:pPr algn="ctr"/>
+            <a:r>
+              <a:rPr b="0" sz="8800">
+                <a:latin typeface="1훈하얀고양이 R"/>
+              </a:rPr>
+              <a:t>도와주시고, 모든 시련을 </a:t>
+            </a:r>
+          </a:p>
+          <a:p>
+            <a:pPr algn="ctr"/>
+            <a:r>
+              <a:rPr b="0" sz="8800">
+                <a:latin typeface="1훈하얀고양이 R"/>
+              </a:rPr>
+              <a:t>이겨 내고 다시 힘차게 </a:t>
+            </a:r>
+          </a:p>
+          <a:p>
+            <a:pPr algn="ctr"/>
+            <a:r>
+              <a:rPr b="0" sz="8800">
+                <a:latin typeface="1훈하얀고양이 R"/>
+              </a:rPr>
+              <a:t>살아갈 수 있게 힘과 </a:t>
+            </a:r>
+          </a:p>
+          <a:p>
+            <a:pPr algn="ctr"/>
+            <a:r>
+              <a:rPr b="0" sz="8800">
+                <a:latin typeface="1훈하얀고양이 R"/>
+              </a:rPr>
+              <a:t>용기를 주세요.</a:t>
             </a:r>
           </a:p>
         </p:txBody>
@@ -12321,37 +12790,19 @@
           <a:p>
             <a:pPr algn="ctr"/>
             <a:r>
-              <a:rPr b="0" sz="8800">
-                <a:latin typeface="1훈하얀고양이 R"/>
-              </a:rPr>
-              <a:t>2. 우리 예수님</a:t>
-            </a:r>
-          </a:p>
-          <a:p>
-            <a:pPr algn="ctr"/>
-            <a:r>
-              <a:rPr b="0" sz="8800">
-                <a:latin typeface="1훈하얀고양이 R"/>
-              </a:rPr>
-              <a:t>감사합니다</a:t>
-            </a:r>
-          </a:p>
-          <a:p>
-            <a:pPr algn="ctr"/>
-            <a:r>
-              <a:rPr b="0" sz="8800">
-                <a:latin typeface="1훈하얀고양이 R"/>
-              </a:rPr>
-              <a:t>저희 죄인들</a:t>
-            </a:r>
-          </a:p>
-          <a:p>
-            <a:pPr algn="ctr"/>
-            <a:r>
-              <a:rPr b="0" sz="8800">
-                <a:latin typeface="1훈하얀고양이 R"/>
-              </a:rPr>
-              <a:t>구해 주시려고</a:t>
+              <a:rPr b="1" sz="8800">
+                <a:latin typeface="1훈하얀고양이 R"/>
+              </a:rPr>
+              <a:t>♪ 주님 저희의 기도를</a:t>
+            </a:r>
+          </a:p>
+          <a:p>
+            <a:pPr algn="ctr"/>
+            <a:r>
+              <a:rPr b="1" sz="8800">
+                <a:latin typeface="1훈하얀고양이 R"/>
+              </a:rPr>
+              <a:t>들어주소서</a:t>
             </a:r>
           </a:p>
         </p:txBody>
@@ -12444,37 +12895,19 @@
           <a:p>
             <a:pPr algn="ctr"/>
             <a:r>
-              <a:rPr b="0" sz="8800">
-                <a:latin typeface="1훈하얀고양이 R"/>
-              </a:rPr>
-              <a:t>성부께 제사를</a:t>
-            </a:r>
-          </a:p>
-          <a:p>
-            <a:pPr algn="ctr"/>
-            <a:r>
-              <a:rPr b="0" sz="8800">
-                <a:latin typeface="1훈하얀고양이 R"/>
-              </a:rPr>
-              <a:t>바치셨으니</a:t>
-            </a:r>
-          </a:p>
-          <a:p>
-            <a:pPr algn="ctr"/>
-            <a:r>
-              <a:rPr b="0" sz="8800">
-                <a:latin typeface="1훈하얀고양이 R"/>
-              </a:rPr>
-              <a:t>예수님 참으로</a:t>
-            </a:r>
-          </a:p>
-          <a:p>
-            <a:pPr algn="ctr"/>
-            <a:r>
-              <a:rPr b="0" sz="8800">
-                <a:latin typeface="1훈하얀고양이 R"/>
-              </a:rPr>
-              <a:t>감사합니다</a:t>
+              <a:rPr b="1" sz="11500">
+                <a:latin typeface="1훈하얀고양이 R"/>
+              </a:rPr>
+              <a:t>봉헌성가</a:t>
+            </a:r>
+          </a:p>
+          <a:p>
+            <a:pPr algn="ctr"/>
+            <a:r>
+              <a:rPr b="0" sz="8800">
+                <a:latin typeface="1훈하얀고양이 R"/>
+              </a:rPr>
+              <a:t>67 성부 우리를</a:t>
             </a:r>
           </a:p>
         </p:txBody>
@@ -12512,11 +12945,11 @@
             <a:avLst/>
           </a:prstGeom>
           <a:solidFill>
-            <a:srgbClr val="000000"/>
+            <a:srgbClr val="FFFCC5"/>
           </a:solidFill>
           <a:ln>
             <a:solidFill>
-              <a:srgbClr val="000000"/>
+              <a:srgbClr val="FFFCC5"/>
             </a:solidFill>
           </a:ln>
         </p:spPr>
@@ -12539,6 +12972,66 @@
           <a:lstStyle/>
           <a:p>
             <a:pPr algn="ctr"/>
+          </a:p>
+        </p:txBody>
+      </p:sp>
+      <p:sp>
+        <p:nvSpPr>
+          <p:cNvPr id="3" name="TextBox 2"/>
+          <p:cNvSpPr txBox="1"/>
+          <p:nvPr/>
+        </p:nvSpPr>
+        <p:spPr>
+          <a:xfrm>
+            <a:off x="0" y="0"/>
+            <a:ext cx="9144000" cy="6858000"/>
+          </a:xfrm>
+          <a:prstGeom prst="rect">
+            <a:avLst/>
+          </a:prstGeom>
+          <a:noFill/>
+        </p:spPr>
+        <p:txBody>
+          <a:bodyPr wrap="square" anchor="ctr">
+            <a:spAutoFit/>
+          </a:bodyPr>
+          <a:lstStyle/>
+          <a:p/>
+          <a:p>
+            <a:pPr algn="ctr"/>
+            <a:r>
+              <a:rPr b="0" sz="8800">
+                <a:latin typeface="1훈하얀고양이 R"/>
+              </a:rPr>
+              <a:t>1. 성부 우리를</a:t>
+            </a:r>
+          </a:p>
+          <a:p>
+            <a:pPr algn="ctr"/>
+            <a:r>
+              <a:rPr b="0" sz="8800">
+                <a:latin typeface="1훈하얀고양이 R"/>
+              </a:rPr>
+              <a:t>사랑하시어</a:t>
+            </a:r>
+          </a:p>
+          <a:p>
+            <a:pPr algn="ctr"/>
+            <a:r>
+              <a:rPr b="0" sz="8800">
+                <a:latin typeface="1훈하얀고양이 R"/>
+              </a:rPr>
+              <a:t>당신 아들을</a:t>
+            </a:r>
+          </a:p>
+          <a:p>
+            <a:pPr algn="ctr"/>
+            <a:r>
+              <a:rPr b="0" sz="8800">
+                <a:latin typeface="1훈하얀고양이 R"/>
+              </a:rPr>
+              <a:t>우리에게 주셨네</a:t>
+            </a:r>
           </a:p>
         </p:txBody>
       </p:sp>
@@ -12753,55 +13246,37 @@
           <a:p>
             <a:pPr algn="ctr"/>
             <a:r>
-              <a:rPr b="0" sz="7200">
-                <a:latin typeface="1훈하얀고양이 R"/>
-              </a:rPr>
-              <a:t>† 주님께서 여러분과 함께</a:t>
-            </a:r>
-          </a:p>
-          <a:p>
-            <a:pPr algn="ctr"/>
-            <a:r>
-              <a:rPr b="1" sz="7200">
-                <a:latin typeface="1훈하얀고양이 R"/>
-              </a:rPr>
-              <a:t>◎ 또한 사제의 영과 함께</a:t>
-            </a:r>
-          </a:p>
-          <a:p>
-            <a:pPr algn="ctr"/>
-            <a:r>
-              <a:rPr b="0" sz="7200">
-                <a:latin typeface="1훈하얀고양이 R"/>
-              </a:rPr>
-              <a:t>† 마음을 드높이</a:t>
-            </a:r>
-          </a:p>
-          <a:p>
-            <a:pPr algn="ctr"/>
-            <a:r>
-              <a:rPr b="1" sz="7200">
-                <a:latin typeface="1훈하얀고양이 R"/>
-              </a:rPr>
-              <a:t>◎ 주님께 올립니다.</a:t>
-            </a:r>
-          </a:p>
-          <a:p>
-            <a:pPr algn="ctr"/>
-            <a:r>
-              <a:rPr b="0" sz="7200">
-                <a:latin typeface="1훈하얀고양이 R"/>
-              </a:rPr>
-              <a:t>† 우리 주 하느님께 감사합시다.</a:t>
-            </a:r>
-          </a:p>
-          <a:p>
-            <a:pPr algn="ctr"/>
-            <a:r>
-              <a:rPr b="1" sz="7200">
-                <a:latin typeface="1훈하얀고양이 R"/>
-              </a:rPr>
-              <a:t>◎ 마땅하고 옳은 일 입니다.</a:t>
+              <a:rPr b="0" sz="8800">
+                <a:latin typeface="1훈하얀고양이 R"/>
+              </a:rPr>
+              <a:t>세상에 내리신</a:t>
+            </a:r>
+          </a:p>
+          <a:p>
+            <a:pPr algn="ctr"/>
+            <a:r>
+              <a:rPr b="0" sz="8800">
+                <a:latin typeface="1훈하얀고양이 R"/>
+              </a:rPr>
+              <a:t>성자 예수님은</a:t>
+            </a:r>
+          </a:p>
+          <a:p>
+            <a:pPr algn="ctr"/>
+            <a:r>
+              <a:rPr b="0" sz="8800">
+                <a:latin typeface="1훈하얀고양이 R"/>
+              </a:rPr>
+              <a:t>십자가 통하여</a:t>
+            </a:r>
+          </a:p>
+          <a:p>
+            <a:pPr algn="ctr"/>
+            <a:r>
+              <a:rPr b="0" sz="8800">
+                <a:latin typeface="1훈하얀고양이 R"/>
+              </a:rPr>
+              <a:t>우릴 구했네</a:t>
             </a:r>
           </a:p>
         </p:txBody>
@@ -12894,10 +13369,37 @@
           <a:p>
             <a:pPr algn="ctr"/>
             <a:r>
-              <a:rPr b="1" sz="11500">
-                <a:latin typeface="1훈하얀고양이 R"/>
-              </a:rPr>
-              <a:t>거룩하시도다</a:t>
+              <a:rPr b="0" sz="8800">
+                <a:latin typeface="1훈하얀고양이 R"/>
+              </a:rPr>
+              <a:t>2. 우리 예수님</a:t>
+            </a:r>
+          </a:p>
+          <a:p>
+            <a:pPr algn="ctr"/>
+            <a:r>
+              <a:rPr b="0" sz="8800">
+                <a:latin typeface="1훈하얀고양이 R"/>
+              </a:rPr>
+              <a:t>감사합니다</a:t>
+            </a:r>
+          </a:p>
+          <a:p>
+            <a:pPr algn="ctr"/>
+            <a:r>
+              <a:rPr b="0" sz="8800">
+                <a:latin typeface="1훈하얀고양이 R"/>
+              </a:rPr>
+              <a:t>저희 죄인들</a:t>
+            </a:r>
+          </a:p>
+          <a:p>
+            <a:pPr algn="ctr"/>
+            <a:r>
+              <a:rPr b="0" sz="8800">
+                <a:latin typeface="1훈하얀고양이 R"/>
+              </a:rPr>
+              <a:t>구해 주시려고</a:t>
             </a:r>
           </a:p>
         </p:txBody>
@@ -12993,43 +13495,34 @@
               <a:rPr b="0" sz="8800">
                 <a:latin typeface="1훈하얀고양이 R"/>
               </a:rPr>
-              <a:t>거룩하시도다 거룩하시도다</a:t>
-            </a:r>
-          </a:p>
-          <a:p>
-            <a:pPr algn="ctr"/>
-            <a:r>
-              <a:rPr b="0" sz="8800">
-                <a:latin typeface="1훈하얀고양이 R"/>
-              </a:rPr>
-              <a:t>거룩 거룩하시도다</a:t>
-            </a:r>
-          </a:p>
-          <a:p>
-            <a:pPr algn="ctr"/>
-            <a:r>
-              <a:rPr b="0" sz="8800">
-                <a:latin typeface="1훈하얀고양이 R"/>
-              </a:rPr>
-              <a:t>온 누리의 주 하느님</a:t>
-            </a:r>
-          </a:p>
-          <a:p>
-            <a:pPr algn="ctr"/>
-            <a:r>
-              <a:rPr b="0" sz="8800">
-                <a:latin typeface="1훈하얀고양이 R"/>
-              </a:rPr>
-              <a:t>하늘과 땅에 </a:t>
-            </a:r>
-          </a:p>
-          <a:p>
-            <a:pPr algn="ctr"/>
-            <a:r>
-              <a:rPr b="0" sz="8800">
-                <a:latin typeface="1훈하얀고양이 R"/>
-              </a:rPr>
-              <a:t>가득 찬 그 영광</a:t>
+              <a:t>성부께 제사를</a:t>
+            </a:r>
+          </a:p>
+          <a:p>
+            <a:pPr algn="ctr"/>
+            <a:r>
+              <a:rPr b="0" sz="8800">
+                <a:latin typeface="1훈하얀고양이 R"/>
+              </a:rPr>
+              <a:t>바치셨으니</a:t>
+            </a:r>
+          </a:p>
+          <a:p>
+            <a:pPr algn="ctr"/>
+            <a:r>
+              <a:rPr b="0" sz="8800">
+                <a:latin typeface="1훈하얀고양이 R"/>
+              </a:rPr>
+              <a:t>예수님 참으로</a:t>
+            </a:r>
+          </a:p>
+          <a:p>
+            <a:pPr algn="ctr"/>
+            <a:r>
+              <a:rPr b="0" sz="8800">
+                <a:latin typeface="1훈하얀고양이 R"/>
+              </a:rPr>
+              <a:t>감사합니다</a:t>
             </a:r>
           </a:p>
         </p:txBody>
@@ -13067,11 +13560,11 @@
             <a:avLst/>
           </a:prstGeom>
           <a:solidFill>
-            <a:srgbClr val="FFFCC5"/>
+            <a:srgbClr val="000000"/>
           </a:solidFill>
           <a:ln>
             <a:solidFill>
-              <a:srgbClr val="FFFCC5"/>
+              <a:srgbClr val="000000"/>
             </a:solidFill>
           </a:ln>
         </p:spPr>
@@ -13094,66 +13587,6 @@
           <a:lstStyle/>
           <a:p>
             <a:pPr algn="ctr"/>
-          </a:p>
-        </p:txBody>
-      </p:sp>
-      <p:sp>
-        <p:nvSpPr>
-          <p:cNvPr id="3" name="TextBox 2"/>
-          <p:cNvSpPr txBox="1"/>
-          <p:nvPr/>
-        </p:nvSpPr>
-        <p:spPr>
-          <a:xfrm>
-            <a:off x="0" y="0"/>
-            <a:ext cx="9144000" cy="6858000"/>
-          </a:xfrm>
-          <a:prstGeom prst="rect">
-            <a:avLst/>
-          </a:prstGeom>
-          <a:noFill/>
-        </p:spPr>
-        <p:txBody>
-          <a:bodyPr wrap="square" anchor="ctr">
-            <a:spAutoFit/>
-          </a:bodyPr>
-          <a:lstStyle/>
-          <a:p/>
-          <a:p>
-            <a:pPr algn="ctr"/>
-            <a:r>
-              <a:rPr b="0" sz="8800">
-                <a:latin typeface="1훈하얀고양이 R"/>
-              </a:rPr>
-              <a:t>높은데서 호산나</a:t>
-            </a:r>
-          </a:p>
-          <a:p>
-            <a:pPr algn="ctr"/>
-            <a:r>
-              <a:rPr b="0" sz="8800">
-                <a:latin typeface="1훈하얀고양이 R"/>
-              </a:rPr>
-              <a:t>높은데서 호산나</a:t>
-            </a:r>
-          </a:p>
-          <a:p>
-            <a:pPr algn="ctr"/>
-            <a:r>
-              <a:rPr b="0" sz="8800">
-                <a:latin typeface="1훈하얀고양이 R"/>
-              </a:rPr>
-              <a:t>주님의 이름으로</a:t>
-            </a:r>
-          </a:p>
-          <a:p>
-            <a:pPr algn="ctr"/>
-            <a:r>
-              <a:rPr b="0" sz="8800">
-                <a:latin typeface="1훈하얀고양이 R"/>
-              </a:rPr>
-              <a:t>오시는 분 찬미 받으소서</a:t>
-            </a:r>
           </a:p>
         </p:txBody>
       </p:sp>
@@ -13245,19 +13678,55 @@
           <a:p>
             <a:pPr algn="ctr"/>
             <a:r>
-              <a:rPr b="0" sz="8800">
-                <a:latin typeface="1훈하얀고양이 R"/>
-              </a:rPr>
-              <a:t>높은데서 호산나</a:t>
-            </a:r>
-          </a:p>
-          <a:p>
-            <a:pPr algn="ctr"/>
-            <a:r>
-              <a:rPr b="0" sz="8800">
-                <a:latin typeface="1훈하얀고양이 R"/>
-              </a:rPr>
-              <a:t>높은데서 호산나</a:t>
+              <a:rPr b="0" sz="7200">
+                <a:latin typeface="1훈하얀고양이 R"/>
+              </a:rPr>
+              <a:t>† 주님께서 여러분과 함께</a:t>
+            </a:r>
+          </a:p>
+          <a:p>
+            <a:pPr algn="ctr"/>
+            <a:r>
+              <a:rPr b="1" sz="7200">
+                <a:latin typeface="1훈하얀고양이 R"/>
+              </a:rPr>
+              <a:t>◎ 또한 사제의 영과 함께</a:t>
+            </a:r>
+          </a:p>
+          <a:p>
+            <a:pPr algn="ctr"/>
+            <a:r>
+              <a:rPr b="0" sz="7200">
+                <a:latin typeface="1훈하얀고양이 R"/>
+              </a:rPr>
+              <a:t>† 마음을 드높이</a:t>
+            </a:r>
+          </a:p>
+          <a:p>
+            <a:pPr algn="ctr"/>
+            <a:r>
+              <a:rPr b="1" sz="7200">
+                <a:latin typeface="1훈하얀고양이 R"/>
+              </a:rPr>
+              <a:t>◎ 주님께 올립니다.</a:t>
+            </a:r>
+          </a:p>
+          <a:p>
+            <a:pPr algn="ctr"/>
+            <a:r>
+              <a:rPr b="0" sz="7200">
+                <a:latin typeface="1훈하얀고양이 R"/>
+              </a:rPr>
+              <a:t>† 우리 주 하느님께 감사합시다.</a:t>
+            </a:r>
+          </a:p>
+          <a:p>
+            <a:pPr algn="ctr"/>
+            <a:r>
+              <a:rPr b="1" sz="7200">
+                <a:latin typeface="1훈하얀고양이 R"/>
+              </a:rPr>
+              <a:t>◎ 마땅하고 옳은 일 입니다.</a:t>
             </a:r>
           </a:p>
         </p:txBody>
@@ -13295,11 +13764,11 @@
             <a:avLst/>
           </a:prstGeom>
           <a:solidFill>
-            <a:srgbClr val="000000"/>
+            <a:srgbClr val="FFFCC5"/>
           </a:solidFill>
           <a:ln>
             <a:solidFill>
-              <a:srgbClr val="000000"/>
+              <a:srgbClr val="FFFCC5"/>
             </a:solidFill>
           </a:ln>
         </p:spPr>
@@ -13322,6 +13791,39 @@
           <a:lstStyle/>
           <a:p>
             <a:pPr algn="ctr"/>
+          </a:p>
+        </p:txBody>
+      </p:sp>
+      <p:sp>
+        <p:nvSpPr>
+          <p:cNvPr id="3" name="TextBox 2"/>
+          <p:cNvSpPr txBox="1"/>
+          <p:nvPr/>
+        </p:nvSpPr>
+        <p:spPr>
+          <a:xfrm>
+            <a:off x="0" y="0"/>
+            <a:ext cx="9144000" cy="6858000"/>
+          </a:xfrm>
+          <a:prstGeom prst="rect">
+            <a:avLst/>
+          </a:prstGeom>
+          <a:noFill/>
+        </p:spPr>
+        <p:txBody>
+          <a:bodyPr wrap="square" anchor="ctr">
+            <a:spAutoFit/>
+          </a:bodyPr>
+          <a:lstStyle/>
+          <a:p/>
+          <a:p>
+            <a:pPr algn="ctr"/>
+            <a:r>
+              <a:rPr b="1" sz="11500">
+                <a:latin typeface="1훈하얀고양이 R"/>
+              </a:rPr>
+              <a:t>거룩하시도다</a:t>
+            </a:r>
           </a:p>
         </p:txBody>
       </p:sp>
@@ -13416,43 +13918,43 @@
               <a:rPr b="0" sz="8800">
                 <a:latin typeface="1훈하얀고양이 R"/>
               </a:rPr>
-              <a:t>너희는 모두 </a:t>
-            </a:r>
-          </a:p>
-          <a:p>
-            <a:pPr algn="ctr"/>
-            <a:r>
-              <a:rPr b="0" sz="8800">
-                <a:latin typeface="1훈하얀고양이 R"/>
-              </a:rPr>
-              <a:t>이것을 받아 먹어라.</a:t>
-            </a:r>
-          </a:p>
-          <a:p>
-            <a:pPr algn="ctr"/>
-            <a:r>
-              <a:rPr b="0" sz="8800">
-                <a:latin typeface="1훈하얀고양이 R"/>
-              </a:rPr>
-              <a:t>이는 너희를 위하여 </a:t>
-            </a:r>
-          </a:p>
-          <a:p>
-            <a:pPr algn="ctr"/>
-            <a:r>
-              <a:rPr b="0" sz="8800">
-                <a:latin typeface="1훈하얀고양이 R"/>
-              </a:rPr>
-              <a:t>내어 줄</a:t>
-            </a:r>
-          </a:p>
-          <a:p>
-            <a:pPr algn="ctr"/>
-            <a:r>
-              <a:rPr b="0" sz="8800">
-                <a:latin typeface="1훈하얀고양이 R"/>
-              </a:rPr>
-              <a:t>내 몸이다.</a:t>
+              <a:t>거룩하시도다 거룩하시도다</a:t>
+            </a:r>
+          </a:p>
+          <a:p>
+            <a:pPr algn="ctr"/>
+            <a:r>
+              <a:rPr b="0" sz="8800">
+                <a:latin typeface="1훈하얀고양이 R"/>
+              </a:rPr>
+              <a:t>거룩 거룩하시도다</a:t>
+            </a:r>
+          </a:p>
+          <a:p>
+            <a:pPr algn="ctr"/>
+            <a:r>
+              <a:rPr b="0" sz="8800">
+                <a:latin typeface="1훈하얀고양이 R"/>
+              </a:rPr>
+              <a:t>온 누리의 주 하느님</a:t>
+            </a:r>
+          </a:p>
+          <a:p>
+            <a:pPr algn="ctr"/>
+            <a:r>
+              <a:rPr b="0" sz="8800">
+                <a:latin typeface="1훈하얀고양이 R"/>
+              </a:rPr>
+              <a:t>하늘과 땅에 </a:t>
+            </a:r>
+          </a:p>
+          <a:p>
+            <a:pPr algn="ctr"/>
+            <a:r>
+              <a:rPr b="0" sz="8800">
+                <a:latin typeface="1훈하얀고양이 R"/>
+              </a:rPr>
+              <a:t>가득 찬 그 영광</a:t>
             </a:r>
           </a:p>
         </p:txBody>
@@ -13548,43 +14050,34 @@
               <a:rPr b="0" sz="8800">
                 <a:latin typeface="1훈하얀고양이 R"/>
               </a:rPr>
-              <a:t>너희는 모두 </a:t>
-            </a:r>
-          </a:p>
-          <a:p>
-            <a:pPr algn="ctr"/>
-            <a:r>
-              <a:rPr b="0" sz="8800">
-                <a:latin typeface="1훈하얀고양이 R"/>
-              </a:rPr>
-              <a:t>이것을 받아 마셔라.</a:t>
-            </a:r>
-          </a:p>
-          <a:p>
-            <a:pPr algn="ctr"/>
-            <a:r>
-              <a:rPr b="0" sz="8800">
-                <a:latin typeface="1훈하얀고양이 R"/>
-              </a:rPr>
-              <a:t>이는 새롭고 영원한 </a:t>
-            </a:r>
-          </a:p>
-          <a:p>
-            <a:pPr algn="ctr"/>
-            <a:r>
-              <a:rPr b="0" sz="8800">
-                <a:latin typeface="1훈하얀고양이 R"/>
-              </a:rPr>
-              <a:t>계약을 맺는</a:t>
-            </a:r>
-          </a:p>
-          <a:p>
-            <a:pPr algn="ctr"/>
-            <a:r>
-              <a:rPr b="0" sz="8800">
-                <a:latin typeface="1훈하얀고양이 R"/>
-              </a:rPr>
-              <a:t>내 피의 잔이니</a:t>
+              <a:t>높은데서 호산나</a:t>
+            </a:r>
+          </a:p>
+          <a:p>
+            <a:pPr algn="ctr"/>
+            <a:r>
+              <a:rPr b="0" sz="8800">
+                <a:latin typeface="1훈하얀고양이 R"/>
+              </a:rPr>
+              <a:t>높은데서 호산나</a:t>
+            </a:r>
+          </a:p>
+          <a:p>
+            <a:pPr algn="ctr"/>
+            <a:r>
+              <a:rPr b="0" sz="8800">
+                <a:latin typeface="1훈하얀고양이 R"/>
+              </a:rPr>
+              <a:t>주님의 이름으로</a:t>
+            </a:r>
+          </a:p>
+          <a:p>
+            <a:pPr algn="ctr"/>
+            <a:r>
+              <a:rPr b="0" sz="8800">
+                <a:latin typeface="1훈하얀고양이 R"/>
+              </a:rPr>
+              <a:t>오시는 분 찬미 받으소서</a:t>
             </a:r>
           </a:p>
         </p:txBody>
@@ -13680,43 +14173,16 @@
               <a:rPr b="0" sz="8800">
                 <a:latin typeface="1훈하얀고양이 R"/>
               </a:rPr>
-              <a:t>죄를 사하여 주려고</a:t>
-            </a:r>
-          </a:p>
-          <a:p>
-            <a:pPr algn="ctr"/>
-            <a:r>
-              <a:rPr b="0" sz="8800">
-                <a:latin typeface="1훈하얀고양이 R"/>
-              </a:rPr>
-              <a:t>너희와 많은 이를 위하여 </a:t>
-            </a:r>
-          </a:p>
-          <a:p>
-            <a:pPr algn="ctr"/>
-            <a:r>
-              <a:rPr b="0" sz="8800">
-                <a:latin typeface="1훈하얀고양이 R"/>
-              </a:rPr>
-              <a:t>흘릴 피다.</a:t>
-            </a:r>
-          </a:p>
-          <a:p>
-            <a:pPr algn="ctr"/>
-            <a:r>
-              <a:rPr b="0" sz="8800">
-                <a:latin typeface="1훈하얀고양이 R"/>
-              </a:rPr>
-              <a:t>너희는 나를 기억하여 </a:t>
-            </a:r>
-          </a:p>
-          <a:p>
-            <a:pPr algn="ctr"/>
-            <a:r>
-              <a:rPr b="0" sz="8800">
-                <a:latin typeface="1훈하얀고양이 R"/>
-              </a:rPr>
-              <a:t>이를 행하여라.</a:t>
+              <a:t>높은데서 호산나</a:t>
+            </a:r>
+          </a:p>
+          <a:p>
+            <a:pPr algn="ctr"/>
+            <a:r>
+              <a:rPr b="0" sz="8800">
+                <a:latin typeface="1훈하얀고양이 R"/>
+              </a:rPr>
+              <a:t>높은데서 호산나</a:t>
             </a:r>
           </a:p>
         </p:txBody>
@@ -13754,11 +14220,11 @@
             <a:avLst/>
           </a:prstGeom>
           <a:solidFill>
-            <a:srgbClr val="FFFCC5"/>
+            <a:srgbClr val="000000"/>
           </a:solidFill>
           <a:ln>
             <a:solidFill>
-              <a:srgbClr val="FFFCC5"/>
+              <a:srgbClr val="000000"/>
             </a:solidFill>
           </a:ln>
         </p:spPr>
@@ -13781,39 +14247,6 @@
           <a:lstStyle/>
           <a:p>
             <a:pPr algn="ctr"/>
-          </a:p>
-        </p:txBody>
-      </p:sp>
-      <p:sp>
-        <p:nvSpPr>
-          <p:cNvPr id="3" name="TextBox 2"/>
-          <p:cNvSpPr txBox="1"/>
-          <p:nvPr/>
-        </p:nvSpPr>
-        <p:spPr>
-          <a:xfrm>
-            <a:off x="0" y="0"/>
-            <a:ext cx="9144000" cy="6858000"/>
-          </a:xfrm>
-          <a:prstGeom prst="rect">
-            <a:avLst/>
-          </a:prstGeom>
-          <a:noFill/>
-        </p:spPr>
-        <p:txBody>
-          <a:bodyPr wrap="square" anchor="ctr">
-            <a:spAutoFit/>
-          </a:bodyPr>
-          <a:lstStyle/>
-          <a:p/>
-          <a:p>
-            <a:pPr algn="ctr"/>
-            <a:r>
-              <a:rPr b="1" sz="11500">
-                <a:latin typeface="1훈하얀고양이 R"/>
-              </a:rPr>
-              <a:t>신앙의 신비여</a:t>
-            </a:r>
           </a:p>
         </p:txBody>
       </p:sp>
@@ -14031,43 +14464,43 @@
               <a:rPr b="0" sz="8800">
                 <a:latin typeface="1훈하얀고양이 R"/>
               </a:rPr>
-              <a:t>주님께서 저희에게 </a:t>
-            </a:r>
-          </a:p>
-          <a:p>
-            <a:pPr algn="ctr"/>
-            <a:r>
-              <a:rPr b="0" sz="8800">
-                <a:latin typeface="1훈하얀고양이 R"/>
-              </a:rPr>
-              <a:t>오실 때까지</a:t>
-            </a:r>
-          </a:p>
-          <a:p>
-            <a:pPr algn="ctr"/>
-            <a:r>
-              <a:rPr b="0" sz="8800">
-                <a:latin typeface="1훈하얀고양이 R"/>
-              </a:rPr>
-              <a:t>주님의 죽음을 전하며</a:t>
-            </a:r>
-          </a:p>
-          <a:p>
-            <a:pPr algn="ctr"/>
-            <a:r>
-              <a:rPr b="0" sz="8800">
-                <a:latin typeface="1훈하얀고양이 R"/>
-              </a:rPr>
-              <a:t>부-활을 부-활을</a:t>
-            </a:r>
-          </a:p>
-          <a:p>
-            <a:pPr algn="ctr"/>
-            <a:r>
-              <a:rPr b="0" sz="8800">
-                <a:latin typeface="1훈하얀고양이 R"/>
-              </a:rPr>
-              <a:t>선-포 하나이다</a:t>
+              <a:t>너희는 모두 </a:t>
+            </a:r>
+          </a:p>
+          <a:p>
+            <a:pPr algn="ctr"/>
+            <a:r>
+              <a:rPr b="0" sz="8800">
+                <a:latin typeface="1훈하얀고양이 R"/>
+              </a:rPr>
+              <a:t>이것을 받아 먹어라.</a:t>
+            </a:r>
+          </a:p>
+          <a:p>
+            <a:pPr algn="ctr"/>
+            <a:r>
+              <a:rPr b="0" sz="8800">
+                <a:latin typeface="1훈하얀고양이 R"/>
+              </a:rPr>
+              <a:t>이는 너희를 위하여 </a:t>
+            </a:r>
+          </a:p>
+          <a:p>
+            <a:pPr algn="ctr"/>
+            <a:r>
+              <a:rPr b="0" sz="8800">
+                <a:latin typeface="1훈하얀고양이 R"/>
+              </a:rPr>
+              <a:t>내어 줄</a:t>
+            </a:r>
+          </a:p>
+          <a:p>
+            <a:pPr algn="ctr"/>
+            <a:r>
+              <a:rPr b="0" sz="8800">
+                <a:latin typeface="1훈하얀고양이 R"/>
+              </a:rPr>
+              <a:t>내 몸이다.</a:t>
             </a:r>
           </a:p>
         </p:txBody>
@@ -14105,11 +14538,11 @@
             <a:avLst/>
           </a:prstGeom>
           <a:solidFill>
-            <a:srgbClr val="000000"/>
+            <a:srgbClr val="FFFCC5"/>
           </a:solidFill>
           <a:ln>
             <a:solidFill>
-              <a:srgbClr val="000000"/>
+              <a:srgbClr val="FFFCC5"/>
             </a:solidFill>
           </a:ln>
         </p:spPr>
@@ -14132,6 +14565,75 @@
           <a:lstStyle/>
           <a:p>
             <a:pPr algn="ctr"/>
+          </a:p>
+        </p:txBody>
+      </p:sp>
+      <p:sp>
+        <p:nvSpPr>
+          <p:cNvPr id="3" name="TextBox 2"/>
+          <p:cNvSpPr txBox="1"/>
+          <p:nvPr/>
+        </p:nvSpPr>
+        <p:spPr>
+          <a:xfrm>
+            <a:off x="0" y="0"/>
+            <a:ext cx="9144000" cy="6858000"/>
+          </a:xfrm>
+          <a:prstGeom prst="rect">
+            <a:avLst/>
+          </a:prstGeom>
+          <a:noFill/>
+        </p:spPr>
+        <p:txBody>
+          <a:bodyPr wrap="square" anchor="ctr">
+            <a:spAutoFit/>
+          </a:bodyPr>
+          <a:lstStyle/>
+          <a:p/>
+          <a:p>
+            <a:pPr algn="ctr"/>
+            <a:r>
+              <a:rPr b="0" sz="8800">
+                <a:latin typeface="1훈하얀고양이 R"/>
+              </a:rPr>
+              <a:t>너희는 모두 </a:t>
+            </a:r>
+          </a:p>
+          <a:p>
+            <a:pPr algn="ctr"/>
+            <a:r>
+              <a:rPr b="0" sz="8800">
+                <a:latin typeface="1훈하얀고양이 R"/>
+              </a:rPr>
+              <a:t>이것을 받아 마셔라.</a:t>
+            </a:r>
+          </a:p>
+          <a:p>
+            <a:pPr algn="ctr"/>
+            <a:r>
+              <a:rPr b="0" sz="8800">
+                <a:latin typeface="1훈하얀고양이 R"/>
+              </a:rPr>
+              <a:t>이는 새롭고 영원한 </a:t>
+            </a:r>
+          </a:p>
+          <a:p>
+            <a:pPr algn="ctr"/>
+            <a:r>
+              <a:rPr b="0" sz="8800">
+                <a:latin typeface="1훈하얀고양이 R"/>
+              </a:rPr>
+              <a:t>계약을 맺는</a:t>
+            </a:r>
+          </a:p>
+          <a:p>
+            <a:pPr algn="ctr"/>
+            <a:r>
+              <a:rPr b="0" sz="8800">
+                <a:latin typeface="1훈하얀고양이 R"/>
+              </a:rPr>
+              <a:t>내 피의 잔이니</a:t>
+            </a:r>
           </a:p>
         </p:txBody>
       </p:sp>
@@ -14223,10 +14725,46 @@
           <a:p>
             <a:pPr algn="ctr"/>
             <a:r>
-              <a:rPr b="1" sz="11500">
-                <a:latin typeface="1훈하얀고양이 R"/>
-              </a:rPr>
-              <a:t>마침 영광송</a:t>
+              <a:rPr b="0" sz="8800">
+                <a:latin typeface="1훈하얀고양이 R"/>
+              </a:rPr>
+              <a:t>죄를 사하여 주려고</a:t>
+            </a:r>
+          </a:p>
+          <a:p>
+            <a:pPr algn="ctr"/>
+            <a:r>
+              <a:rPr b="0" sz="8800">
+                <a:latin typeface="1훈하얀고양이 R"/>
+              </a:rPr>
+              <a:t>너희와 많은 이를 위하여 </a:t>
+            </a:r>
+          </a:p>
+          <a:p>
+            <a:pPr algn="ctr"/>
+            <a:r>
+              <a:rPr b="0" sz="8800">
+                <a:latin typeface="1훈하얀고양이 R"/>
+              </a:rPr>
+              <a:t>흘릴 피다.</a:t>
+            </a:r>
+          </a:p>
+          <a:p>
+            <a:pPr algn="ctr"/>
+            <a:r>
+              <a:rPr b="0" sz="8800">
+                <a:latin typeface="1훈하얀고양이 R"/>
+              </a:rPr>
+              <a:t>너희는 나를 기억하여 </a:t>
+            </a:r>
+          </a:p>
+          <a:p>
+            <a:pPr algn="ctr"/>
+            <a:r>
+              <a:rPr b="0" sz="8800">
+                <a:latin typeface="1훈하얀고양이 R"/>
+              </a:rPr>
+              <a:t>이를 행하여라.</a:t>
             </a:r>
           </a:p>
         </p:txBody>
@@ -14319,46 +14857,10 @@
           <a:p>
             <a:pPr algn="ctr"/>
             <a:r>
-              <a:rPr b="0" sz="8800">
-                <a:latin typeface="1훈하얀고양이 R"/>
-              </a:rPr>
-              <a:t>그리스도를 통하여</a:t>
-            </a:r>
-          </a:p>
-          <a:p>
-            <a:pPr algn="ctr"/>
-            <a:r>
-              <a:rPr b="0" sz="8800">
-                <a:latin typeface="1훈하얀고양이 R"/>
-              </a:rPr>
-              <a:t>그리스도와 함께</a:t>
-            </a:r>
-          </a:p>
-          <a:p>
-            <a:pPr algn="ctr"/>
-            <a:r>
-              <a:rPr b="0" sz="8800">
-                <a:latin typeface="1훈하얀고양이 R"/>
-              </a:rPr>
-              <a:t>그리스도 안에서</a:t>
-            </a:r>
-          </a:p>
-          <a:p>
-            <a:pPr algn="ctr"/>
-            <a:r>
-              <a:rPr b="0" sz="8800">
-                <a:latin typeface="1훈하얀고양이 R"/>
-              </a:rPr>
-              <a:t>성령으로 하나 되어</a:t>
-            </a:r>
-          </a:p>
-          <a:p>
-            <a:pPr algn="ctr"/>
-            <a:r>
-              <a:rPr b="0" sz="8800">
-                <a:latin typeface="1훈하얀고양이 R"/>
-              </a:rPr>
-              <a:t>전능하신 천주 성부</a:t>
+              <a:rPr b="1" sz="11500">
+                <a:latin typeface="1훈하얀고양이 R"/>
+              </a:rPr>
+              <a:t>신앙의 신비여</a:t>
             </a:r>
           </a:p>
         </p:txBody>
@@ -14454,16 +14956,43 @@
               <a:rPr b="0" sz="8800">
                 <a:latin typeface="1훈하얀고양이 R"/>
               </a:rPr>
-              <a:t>모든 영예와 영광을 </a:t>
-            </a:r>
-          </a:p>
-          <a:p>
-            <a:pPr algn="ctr"/>
-            <a:r>
-              <a:rPr b="0" sz="8800">
-                <a:latin typeface="1훈하얀고양이 R"/>
-              </a:rPr>
-              <a:t>영원히 받으소서</a:t>
+              <a:t>주님께서 저희에게 </a:t>
+            </a:r>
+          </a:p>
+          <a:p>
+            <a:pPr algn="ctr"/>
+            <a:r>
+              <a:rPr b="0" sz="8800">
+                <a:latin typeface="1훈하얀고양이 R"/>
+              </a:rPr>
+              <a:t>오실 때까지</a:t>
+            </a:r>
+          </a:p>
+          <a:p>
+            <a:pPr algn="ctr"/>
+            <a:r>
+              <a:rPr b="0" sz="8800">
+                <a:latin typeface="1훈하얀고양이 R"/>
+              </a:rPr>
+              <a:t>주님의 죽음을 전하며</a:t>
+            </a:r>
+          </a:p>
+          <a:p>
+            <a:pPr algn="ctr"/>
+            <a:r>
+              <a:rPr b="0" sz="8800">
+                <a:latin typeface="1훈하얀고양이 R"/>
+              </a:rPr>
+              <a:t>부-활을 부-활을</a:t>
+            </a:r>
+          </a:p>
+          <a:p>
+            <a:pPr algn="ctr"/>
+            <a:r>
+              <a:rPr b="0" sz="8800">
+                <a:latin typeface="1훈하얀고양이 R"/>
+              </a:rPr>
+              <a:t>선-포 하나이다</a:t>
             </a:r>
           </a:p>
         </p:txBody>
@@ -14501,11 +15030,11 @@
             <a:avLst/>
           </a:prstGeom>
           <a:solidFill>
-            <a:srgbClr val="FFFCC5"/>
+            <a:srgbClr val="000000"/>
           </a:solidFill>
           <a:ln>
             <a:solidFill>
-              <a:srgbClr val="FFFCC5"/>
+              <a:srgbClr val="000000"/>
             </a:solidFill>
           </a:ln>
         </p:spPr>
@@ -14528,48 +15057,6 @@
           <a:lstStyle/>
           <a:p>
             <a:pPr algn="ctr"/>
-          </a:p>
-        </p:txBody>
-      </p:sp>
-      <p:sp>
-        <p:nvSpPr>
-          <p:cNvPr id="3" name="TextBox 2"/>
-          <p:cNvSpPr txBox="1"/>
-          <p:nvPr/>
-        </p:nvSpPr>
-        <p:spPr>
-          <a:xfrm>
-            <a:off x="0" y="0"/>
-            <a:ext cx="9144000" cy="6858000"/>
-          </a:xfrm>
-          <a:prstGeom prst="rect">
-            <a:avLst/>
-          </a:prstGeom>
-          <a:noFill/>
-        </p:spPr>
-        <p:txBody>
-          <a:bodyPr wrap="square" anchor="ctr">
-            <a:spAutoFit/>
-          </a:bodyPr>
-          <a:lstStyle/>
-          <a:p/>
-          <a:p>
-            <a:pPr algn="ctr"/>
-            <a:r>
-              <a:rPr b="1" sz="8800">
-                <a:latin typeface="1훈하얀고양이 R"/>
-              </a:rPr>
-              <a:t>♪ 아멘 아멘 아-멘</a:t>
-            </a:r>
-          </a:p>
-          <a:p>
-            <a:pPr algn="ctr"/>
-            <a:r>
-              <a:rPr b="1" sz="8800">
-                <a:latin typeface="1훈하얀고양이 R"/>
-              </a:rPr>
-              <a:t>아멘 아멘 아-멘</a:t>
-            </a:r>
           </a:p>
         </p:txBody>
       </p:sp>
@@ -14664,7 +15151,7 @@
               <a:rPr b="1" sz="11500">
                 <a:latin typeface="1훈하얀고양이 R"/>
               </a:rPr>
-              <a:t>주님의 기도</a:t>
+              <a:t>마침 영광송</a:t>
             </a:r>
           </a:p>
         </p:txBody>
@@ -14760,43 +15247,43 @@
               <a:rPr b="0" sz="8800">
                 <a:latin typeface="1훈하얀고양이 R"/>
               </a:rPr>
-              <a:t>하늘에 계신 우리 아버지</a:t>
-            </a:r>
-          </a:p>
-          <a:p>
-            <a:pPr algn="ctr"/>
-            <a:r>
-              <a:rPr b="0" sz="8800">
-                <a:latin typeface="1훈하얀고양이 R"/>
-              </a:rPr>
-              <a:t>아버지의 이름이 </a:t>
-            </a:r>
-          </a:p>
-          <a:p>
-            <a:pPr algn="ctr"/>
-            <a:r>
-              <a:rPr b="0" sz="8800">
-                <a:latin typeface="1훈하얀고양이 R"/>
-              </a:rPr>
-              <a:t>거룩히 빛나시며</a:t>
-            </a:r>
-          </a:p>
-          <a:p>
-            <a:pPr algn="ctr"/>
-            <a:r>
-              <a:rPr b="0" sz="8800">
-                <a:latin typeface="1훈하얀고양이 R"/>
-              </a:rPr>
-              <a:t>아버지의 나라가 오시며 </a:t>
-            </a:r>
-          </a:p>
-          <a:p>
-            <a:pPr algn="ctr"/>
-            <a:r>
-              <a:rPr b="0" sz="8800">
-                <a:latin typeface="1훈하얀고양이 R"/>
-              </a:rPr>
-              <a:t>아버지의 뜻이</a:t>
+              <a:t>그리스도를 통하여</a:t>
+            </a:r>
+          </a:p>
+          <a:p>
+            <a:pPr algn="ctr"/>
+            <a:r>
+              <a:rPr b="0" sz="8800">
+                <a:latin typeface="1훈하얀고양이 R"/>
+              </a:rPr>
+              <a:t>그리스도와 함께</a:t>
+            </a:r>
+          </a:p>
+          <a:p>
+            <a:pPr algn="ctr"/>
+            <a:r>
+              <a:rPr b="0" sz="8800">
+                <a:latin typeface="1훈하얀고양이 R"/>
+              </a:rPr>
+              <a:t>그리스도 안에서</a:t>
+            </a:r>
+          </a:p>
+          <a:p>
+            <a:pPr algn="ctr"/>
+            <a:r>
+              <a:rPr b="0" sz="8800">
+                <a:latin typeface="1훈하얀고양이 R"/>
+              </a:rPr>
+              <a:t>성령으로 하나 되어</a:t>
+            </a:r>
+          </a:p>
+          <a:p>
+            <a:pPr algn="ctr"/>
+            <a:r>
+              <a:rPr b="0" sz="8800">
+                <a:latin typeface="1훈하얀고양이 R"/>
+              </a:rPr>
+              <a:t>전능하신 천주 성부</a:t>
             </a:r>
           </a:p>
         </p:txBody>
@@ -14892,43 +15379,16 @@
               <a:rPr b="0" sz="8800">
                 <a:latin typeface="1훈하얀고양이 R"/>
               </a:rPr>
-              <a:t>하늘에서와 같이</a:t>
-            </a:r>
-          </a:p>
-          <a:p>
-            <a:pPr algn="ctr"/>
-            <a:r>
-              <a:rPr b="0" sz="8800">
-                <a:latin typeface="1훈하얀고양이 R"/>
-              </a:rPr>
-              <a:t>땅에서도 이루어 지소서</a:t>
-            </a:r>
-          </a:p>
-          <a:p>
-            <a:pPr algn="ctr"/>
-            <a:r>
-              <a:rPr b="0" sz="8800">
-                <a:latin typeface="1훈하얀고양이 R"/>
-              </a:rPr>
-              <a:t>오늘 저희에게 </a:t>
-            </a:r>
-          </a:p>
-          <a:p>
-            <a:pPr algn="ctr"/>
-            <a:r>
-              <a:rPr b="0" sz="8800">
-                <a:latin typeface="1훈하얀고양이 R"/>
-              </a:rPr>
-              <a:t>일용할 양식을 주시고</a:t>
-            </a:r>
-          </a:p>
-          <a:p>
-            <a:pPr algn="ctr"/>
-            <a:r>
-              <a:rPr b="0" sz="8800">
-                <a:latin typeface="1훈하얀고양이 R"/>
-              </a:rPr>
-              <a:t>저희에게 잘못한 이를</a:t>
+              <a:t>모든 영예와 영광을 </a:t>
+            </a:r>
+          </a:p>
+          <a:p>
+            <a:pPr algn="ctr"/>
+            <a:r>
+              <a:rPr b="0" sz="8800">
+                <a:latin typeface="1훈하얀고양이 R"/>
+              </a:rPr>
+              <a:t>영원히 받으소서</a:t>
             </a:r>
           </a:p>
         </p:txBody>
@@ -15021,46 +15481,19 @@
           <a:p>
             <a:pPr algn="ctr"/>
             <a:r>
-              <a:rPr b="0" sz="8800">
-                <a:latin typeface="1훈하얀고양이 R"/>
-              </a:rPr>
-              <a:t>저희가 용서하오니</a:t>
-            </a:r>
-          </a:p>
-          <a:p>
-            <a:pPr algn="ctr"/>
-            <a:r>
-              <a:rPr b="0" sz="8800">
-                <a:latin typeface="1훈하얀고양이 R"/>
-              </a:rPr>
-              <a:t>저희 죄 용서하시고</a:t>
-            </a:r>
-          </a:p>
-          <a:p>
-            <a:pPr algn="ctr"/>
-            <a:r>
-              <a:rPr b="0" sz="8800">
-                <a:latin typeface="1훈하얀고양이 R"/>
-              </a:rPr>
-              <a:t>저희를 유혹에 </a:t>
-            </a:r>
-          </a:p>
-          <a:p>
-            <a:pPr algn="ctr"/>
-            <a:r>
-              <a:rPr b="0" sz="8800">
-                <a:latin typeface="1훈하얀고양이 R"/>
-              </a:rPr>
-              <a:t>빠지지 않게 하시고</a:t>
-            </a:r>
-          </a:p>
-          <a:p>
-            <a:pPr algn="ctr"/>
-            <a:r>
-              <a:rPr b="0" sz="8800">
-                <a:latin typeface="1훈하얀고양이 R"/>
-              </a:rPr>
-              <a:t>악에서 구하소서 x2 </a:t>
+              <a:rPr b="1" sz="8800">
+                <a:latin typeface="1훈하얀고양이 R"/>
+              </a:rPr>
+              <a:t>♪ 아멘 아멘 아-멘</a:t>
+            </a:r>
+          </a:p>
+          <a:p>
+            <a:pPr algn="ctr"/>
+            <a:r>
+              <a:rPr b="1" sz="8800">
+                <a:latin typeface="1훈하얀고양이 R"/>
+              </a:rPr>
+              <a:t>아멘 아멘 아-멘</a:t>
             </a:r>
           </a:p>
         </p:txBody>
@@ -15194,11 +15627,11 @@
             <a:avLst/>
           </a:prstGeom>
           <a:solidFill>
-            <a:srgbClr val="000000"/>
+            <a:srgbClr val="FFFCC5"/>
           </a:solidFill>
           <a:ln>
             <a:solidFill>
-              <a:srgbClr val="000000"/>
+              <a:srgbClr val="FFFCC5"/>
             </a:solidFill>
           </a:ln>
         </p:spPr>
@@ -15221,6 +15654,39 @@
           <a:lstStyle/>
           <a:p>
             <a:pPr algn="ctr"/>
+          </a:p>
+        </p:txBody>
+      </p:sp>
+      <p:sp>
+        <p:nvSpPr>
+          <p:cNvPr id="3" name="TextBox 2"/>
+          <p:cNvSpPr txBox="1"/>
+          <p:nvPr/>
+        </p:nvSpPr>
+        <p:spPr>
+          <a:xfrm>
+            <a:off x="0" y="0"/>
+            <a:ext cx="9144000" cy="6858000"/>
+          </a:xfrm>
+          <a:prstGeom prst="rect">
+            <a:avLst/>
+          </a:prstGeom>
+          <a:noFill/>
+        </p:spPr>
+        <p:txBody>
+          <a:bodyPr wrap="square" anchor="ctr">
+            <a:spAutoFit/>
+          </a:bodyPr>
+          <a:lstStyle/>
+          <a:p/>
+          <a:p>
+            <a:pPr algn="ctr"/>
+            <a:r>
+              <a:rPr b="1" sz="11500">
+                <a:latin typeface="1훈하얀고양이 R"/>
+              </a:rPr>
+              <a:t>주님의 기도</a:t>
+            </a:r>
           </a:p>
         </p:txBody>
       </p:sp>
@@ -15312,19 +15778,46 @@
           <a:p>
             <a:pPr algn="ctr"/>
             <a:r>
-              <a:rPr b="0" sz="7200">
-                <a:latin typeface="1훈하얀고양이 R"/>
-              </a:rPr>
-              <a:t>† 주님의 평화가 항상 여러분과 함께</a:t>
-            </a:r>
-          </a:p>
-          <a:p>
-            <a:pPr algn="ctr"/>
-            <a:r>
-              <a:rPr b="1" sz="7200">
-                <a:latin typeface="1훈하얀고양이 R"/>
-              </a:rPr>
-              <a:t>◎ 또한 사제의 영과 함께</a:t>
+              <a:rPr b="0" sz="8800">
+                <a:latin typeface="1훈하얀고양이 R"/>
+              </a:rPr>
+              <a:t>하늘에 계신 우리 아버지</a:t>
+            </a:r>
+          </a:p>
+          <a:p>
+            <a:pPr algn="ctr"/>
+            <a:r>
+              <a:rPr b="0" sz="8800">
+                <a:latin typeface="1훈하얀고양이 R"/>
+              </a:rPr>
+              <a:t>아버지의 이름이 </a:t>
+            </a:r>
+          </a:p>
+          <a:p>
+            <a:pPr algn="ctr"/>
+            <a:r>
+              <a:rPr b="0" sz="8800">
+                <a:latin typeface="1훈하얀고양이 R"/>
+              </a:rPr>
+              <a:t>거룩히 빛나시며</a:t>
+            </a:r>
+          </a:p>
+          <a:p>
+            <a:pPr algn="ctr"/>
+            <a:r>
+              <a:rPr b="0" sz="8800">
+                <a:latin typeface="1훈하얀고양이 R"/>
+              </a:rPr>
+              <a:t>아버지의 나라가 오시며 </a:t>
+            </a:r>
+          </a:p>
+          <a:p>
+            <a:pPr algn="ctr"/>
+            <a:r>
+              <a:rPr b="0" sz="8800">
+                <a:latin typeface="1훈하얀고양이 R"/>
+              </a:rPr>
+              <a:t>아버지의 뜻이</a:t>
             </a:r>
           </a:p>
         </p:txBody>
@@ -15417,10 +15910,46 @@
           <a:p>
             <a:pPr algn="ctr"/>
             <a:r>
-              <a:rPr b="1" sz="11500">
-                <a:latin typeface="1훈하얀고양이 R"/>
-              </a:rPr>
-              <a:t>하느님의 어린양</a:t>
+              <a:rPr b="0" sz="8800">
+                <a:latin typeface="1훈하얀고양이 R"/>
+              </a:rPr>
+              <a:t>하늘에서와 같이</a:t>
+            </a:r>
+          </a:p>
+          <a:p>
+            <a:pPr algn="ctr"/>
+            <a:r>
+              <a:rPr b="0" sz="8800">
+                <a:latin typeface="1훈하얀고양이 R"/>
+              </a:rPr>
+              <a:t>땅에서도 이루어 지소서</a:t>
+            </a:r>
+          </a:p>
+          <a:p>
+            <a:pPr algn="ctr"/>
+            <a:r>
+              <a:rPr b="0" sz="8800">
+                <a:latin typeface="1훈하얀고양이 R"/>
+              </a:rPr>
+              <a:t>오늘 저희에게 </a:t>
+            </a:r>
+          </a:p>
+          <a:p>
+            <a:pPr algn="ctr"/>
+            <a:r>
+              <a:rPr b="0" sz="8800">
+                <a:latin typeface="1훈하얀고양이 R"/>
+              </a:rPr>
+              <a:t>일용할 양식을 주시고</a:t>
+            </a:r>
+          </a:p>
+          <a:p>
+            <a:pPr algn="ctr"/>
+            <a:r>
+              <a:rPr b="0" sz="8800">
+                <a:latin typeface="1훈하얀고양이 R"/>
+              </a:rPr>
+              <a:t>저희에게 잘못한 이를</a:t>
             </a:r>
           </a:p>
         </p:txBody>
@@ -15516,43 +16045,43 @@
               <a:rPr b="0" sz="8800">
                 <a:latin typeface="1훈하얀고양이 R"/>
               </a:rPr>
-              <a:t>하느님의 어린양</a:t>
-            </a:r>
-          </a:p>
-          <a:p>
-            <a:pPr algn="ctr"/>
-            <a:r>
-              <a:rPr b="0" sz="8800">
-                <a:latin typeface="1훈하얀고양이 R"/>
-              </a:rPr>
-              <a:t>세상의 죄를 없애시는 </a:t>
-            </a:r>
-          </a:p>
-          <a:p>
-            <a:pPr algn="ctr"/>
-            <a:r>
-              <a:rPr b="0" sz="8800">
-                <a:latin typeface="1훈하얀고양이 R"/>
-              </a:rPr>
-              <a:t>주님</a:t>
-            </a:r>
-          </a:p>
-          <a:p>
-            <a:pPr algn="ctr"/>
-            <a:r>
-              <a:rPr b="0" sz="8800">
-                <a:latin typeface="1훈하얀고양이 R"/>
-              </a:rPr>
-              <a:t>저희에게 </a:t>
-            </a:r>
-          </a:p>
-          <a:p>
-            <a:pPr algn="ctr"/>
-            <a:r>
-              <a:rPr b="0" sz="8800">
-                <a:latin typeface="1훈하얀고양이 R"/>
-              </a:rPr>
-              <a:t>자비를 베푸소서</a:t>
+              <a:t>저희가 용서하오니</a:t>
+            </a:r>
+          </a:p>
+          <a:p>
+            <a:pPr algn="ctr"/>
+            <a:r>
+              <a:rPr b="0" sz="8800">
+                <a:latin typeface="1훈하얀고양이 R"/>
+              </a:rPr>
+              <a:t>저희 죄 용서하시고</a:t>
+            </a:r>
+          </a:p>
+          <a:p>
+            <a:pPr algn="ctr"/>
+            <a:r>
+              <a:rPr b="0" sz="8800">
+                <a:latin typeface="1훈하얀고양이 R"/>
+              </a:rPr>
+              <a:t>저희를 유혹에 </a:t>
+            </a:r>
+          </a:p>
+          <a:p>
+            <a:pPr algn="ctr"/>
+            <a:r>
+              <a:rPr b="0" sz="8800">
+                <a:latin typeface="1훈하얀고양이 R"/>
+              </a:rPr>
+              <a:t>빠지지 않게 하시고</a:t>
+            </a:r>
+          </a:p>
+          <a:p>
+            <a:pPr algn="ctr"/>
+            <a:r>
+              <a:rPr b="0" sz="8800">
+                <a:latin typeface="1훈하얀고양이 R"/>
+              </a:rPr>
+              <a:t>악에서 구하소서 x2 </a:t>
             </a:r>
           </a:p>
         </p:txBody>
@@ -15590,11 +16119,11 @@
             <a:avLst/>
           </a:prstGeom>
           <a:solidFill>
-            <a:srgbClr val="FFFCC5"/>
+            <a:srgbClr val="000000"/>
           </a:solidFill>
           <a:ln>
             <a:solidFill>
-              <a:srgbClr val="FFFCC5"/>
+              <a:srgbClr val="000000"/>
             </a:solidFill>
           </a:ln>
         </p:spPr>
@@ -15617,75 +16146,6 @@
           <a:lstStyle/>
           <a:p>
             <a:pPr algn="ctr"/>
-          </a:p>
-        </p:txBody>
-      </p:sp>
-      <p:sp>
-        <p:nvSpPr>
-          <p:cNvPr id="3" name="TextBox 2"/>
-          <p:cNvSpPr txBox="1"/>
-          <p:nvPr/>
-        </p:nvSpPr>
-        <p:spPr>
-          <a:xfrm>
-            <a:off x="0" y="0"/>
-            <a:ext cx="9144000" cy="6858000"/>
-          </a:xfrm>
-          <a:prstGeom prst="rect">
-            <a:avLst/>
-          </a:prstGeom>
-          <a:noFill/>
-        </p:spPr>
-        <p:txBody>
-          <a:bodyPr wrap="square" anchor="ctr">
-            <a:spAutoFit/>
-          </a:bodyPr>
-          <a:lstStyle/>
-          <a:p/>
-          <a:p>
-            <a:pPr algn="ctr"/>
-            <a:r>
-              <a:rPr b="0" sz="8800">
-                <a:latin typeface="1훈하얀고양이 R"/>
-              </a:rPr>
-              <a:t>하느님의 어린양</a:t>
-            </a:r>
-          </a:p>
-          <a:p>
-            <a:pPr algn="ctr"/>
-            <a:r>
-              <a:rPr b="0" sz="8800">
-                <a:latin typeface="1훈하얀고양이 R"/>
-              </a:rPr>
-              <a:t>세상의 죄를 없애시는 </a:t>
-            </a:r>
-          </a:p>
-          <a:p>
-            <a:pPr algn="ctr"/>
-            <a:r>
-              <a:rPr b="0" sz="8800">
-                <a:latin typeface="1훈하얀고양이 R"/>
-              </a:rPr>
-              <a:t>주님</a:t>
-            </a:r>
-          </a:p>
-          <a:p>
-            <a:pPr algn="ctr"/>
-            <a:r>
-              <a:rPr b="0" sz="8800">
-                <a:latin typeface="1훈하얀고양이 R"/>
-              </a:rPr>
-              <a:t>저희에게 평화를 </a:t>
-            </a:r>
-          </a:p>
-          <a:p>
-            <a:pPr algn="ctr"/>
-            <a:r>
-              <a:rPr b="0" sz="8800">
-                <a:latin typeface="1훈하얀고양이 R"/>
-              </a:rPr>
-              <a:t>평화를 주소서</a:t>
-            </a:r>
           </a:p>
         </p:txBody>
       </p:sp>
@@ -15780,34 +16240,16 @@
               <a:rPr b="0" sz="7200">
                 <a:latin typeface="1훈하얀고양이 R"/>
               </a:rPr>
-              <a:t>† 보라, 하느님의 어린양.</a:t>
-            </a:r>
-          </a:p>
-          <a:p>
-            <a:pPr algn="ctr"/>
-            <a:r>
-              <a:rPr b="0" sz="7200">
-                <a:latin typeface="1훈하얀고양이 R"/>
-              </a:rPr>
-              <a:t>세상의 죄를 없애시는 분이시니 </a:t>
-            </a:r>
-          </a:p>
-          <a:p>
-            <a:pPr algn="ctr"/>
-            <a:r>
-              <a:rPr b="0" sz="7200">
-                <a:latin typeface="1훈하얀고양이 R"/>
-              </a:rPr>
-              <a:t>이 성찬에 초대 받은 이는 </a:t>
-            </a:r>
-          </a:p>
-          <a:p>
-            <a:pPr algn="ctr"/>
-            <a:r>
-              <a:rPr b="0" sz="7200">
-                <a:latin typeface="1훈하얀고양이 R"/>
-              </a:rPr>
-              <a:t>복되도다.</a:t>
+              <a:t>† 주님의 평화가 항상 여러분과 함께</a:t>
+            </a:r>
+          </a:p>
+          <a:p>
+            <a:pPr algn="ctr"/>
+            <a:r>
+              <a:rPr b="1" sz="7200">
+                <a:latin typeface="1훈하얀고양이 R"/>
+              </a:rPr>
+              <a:t>◎ 또한 사제의 영과 함께</a:t>
             </a:r>
           </a:p>
         </p:txBody>
@@ -15900,28 +16342,10 @@
           <a:p>
             <a:pPr algn="ctr"/>
             <a:r>
-              <a:rPr b="1" sz="7200">
-                <a:latin typeface="1훈하얀고양이 R"/>
-              </a:rPr>
-              <a:t>◎ 주님, 제 안에 주님을 모시기에 </a:t>
-            </a:r>
-          </a:p>
-          <a:p>
-            <a:pPr algn="ctr"/>
-            <a:r>
-              <a:rPr b="1" sz="7200">
-                <a:latin typeface="1훈하얀고양이 R"/>
-              </a:rPr>
-              <a:t>합당치 않사오나 한 말씀만 하소서 </a:t>
-            </a:r>
-          </a:p>
-          <a:p>
-            <a:pPr algn="ctr"/>
-            <a:r>
-              <a:rPr b="1" sz="7200">
-                <a:latin typeface="1훈하얀고양이 R"/>
-              </a:rPr>
-              <a:t>제 영혼이 곧 나으리이다.</a:t>
+              <a:rPr b="1" sz="11500">
+                <a:latin typeface="1훈하얀고양이 R"/>
+              </a:rPr>
+              <a:t>하느님의 어린양</a:t>
             </a:r>
           </a:p>
         </p:txBody>
@@ -16014,10 +16438,46 @@
           <a:p>
             <a:pPr algn="ctr"/>
             <a:r>
-              <a:rPr b="1" sz="11500">
-                <a:latin typeface="1훈하얀고양이 R"/>
-              </a:rPr>
-              <a:t>영성체송</a:t>
+              <a:rPr b="0" sz="8800">
+                <a:latin typeface="1훈하얀고양이 R"/>
+              </a:rPr>
+              <a:t>하느님의 어린양</a:t>
+            </a:r>
+          </a:p>
+          <a:p>
+            <a:pPr algn="ctr"/>
+            <a:r>
+              <a:rPr b="0" sz="8800">
+                <a:latin typeface="1훈하얀고양이 R"/>
+              </a:rPr>
+              <a:t>세상의 죄를 없애시는 </a:t>
+            </a:r>
+          </a:p>
+          <a:p>
+            <a:pPr algn="ctr"/>
+            <a:r>
+              <a:rPr b="0" sz="8800">
+                <a:latin typeface="1훈하얀고양이 R"/>
+              </a:rPr>
+              <a:t>주님</a:t>
+            </a:r>
+          </a:p>
+          <a:p>
+            <a:pPr algn="ctr"/>
+            <a:r>
+              <a:rPr b="0" sz="8800">
+                <a:latin typeface="1훈하얀고양이 R"/>
+              </a:rPr>
+              <a:t>저희에게 </a:t>
+            </a:r>
+          </a:p>
+          <a:p>
+            <a:pPr algn="ctr"/>
+            <a:r>
+              <a:rPr b="0" sz="8800">
+                <a:latin typeface="1훈하얀고양이 R"/>
+              </a:rPr>
+              <a:t>자비를 베푸소서</a:t>
             </a:r>
           </a:p>
         </p:txBody>
@@ -16113,34 +16573,43 @@
               <a:rPr b="0" sz="8800">
                 <a:latin typeface="1훈하얀고양이 R"/>
               </a:rPr>
-              <a:t>주님, 당신을 경외하는 </a:t>
-            </a:r>
-          </a:p>
-          <a:p>
-            <a:pPr algn="ctr"/>
-            <a:r>
-              <a:rPr b="0" sz="8800">
-                <a:latin typeface="1훈하얀고양이 R"/>
-              </a:rPr>
-              <a:t>이들 위해 간직하신 그 </a:t>
-            </a:r>
-          </a:p>
-          <a:p>
-            <a:pPr algn="ctr"/>
-            <a:r>
-              <a:rPr b="0" sz="8800">
-                <a:latin typeface="1훈하얀고양이 R"/>
-              </a:rPr>
-              <a:t>선하심, 얼마나 </a:t>
-            </a:r>
-          </a:p>
-          <a:p>
-            <a:pPr algn="ctr"/>
-            <a:r>
-              <a:rPr b="0" sz="8800">
-                <a:latin typeface="1훈하얀고양이 R"/>
-              </a:rPr>
-              <a:t>크시옵니까! </a:t>
+              <a:t>하느님의 어린양</a:t>
+            </a:r>
+          </a:p>
+          <a:p>
+            <a:pPr algn="ctr"/>
+            <a:r>
+              <a:rPr b="0" sz="8800">
+                <a:latin typeface="1훈하얀고양이 R"/>
+              </a:rPr>
+              <a:t>세상의 죄를 없애시는 </a:t>
+            </a:r>
+          </a:p>
+          <a:p>
+            <a:pPr algn="ctr"/>
+            <a:r>
+              <a:rPr b="0" sz="8800">
+                <a:latin typeface="1훈하얀고양이 R"/>
+              </a:rPr>
+              <a:t>주님</a:t>
+            </a:r>
+          </a:p>
+          <a:p>
+            <a:pPr algn="ctr"/>
+            <a:r>
+              <a:rPr b="0" sz="8800">
+                <a:latin typeface="1훈하얀고양이 R"/>
+              </a:rPr>
+              <a:t>저희에게 평화를 </a:t>
+            </a:r>
+          </a:p>
+          <a:p>
+            <a:pPr algn="ctr"/>
+            <a:r>
+              <a:rPr b="0" sz="8800">
+                <a:latin typeface="1훈하얀고양이 R"/>
+              </a:rPr>
+              <a:t>평화를 주소서</a:t>
             </a:r>
           </a:p>
         </p:txBody>
@@ -16233,19 +16702,37 @@
           <a:p>
             <a:pPr algn="ctr"/>
             <a:r>
-              <a:rPr b="1" sz="11500">
-                <a:latin typeface="1훈하얀고양이 R"/>
-              </a:rPr>
-              <a:t>성체성가</a:t>
-            </a:r>
-          </a:p>
-          <a:p>
-            <a:pPr algn="ctr"/>
-            <a:r>
-              <a:rPr b="0" sz="8800">
-                <a:latin typeface="1훈하얀고양이 R"/>
-              </a:rPr>
-              <a:t>83 하나 되어 나누어요</a:t>
+              <a:rPr b="0" sz="7200">
+                <a:latin typeface="1훈하얀고양이 R"/>
+              </a:rPr>
+              <a:t>† 보라, 하느님의 어린양.</a:t>
+            </a:r>
+          </a:p>
+          <a:p>
+            <a:pPr algn="ctr"/>
+            <a:r>
+              <a:rPr b="0" sz="7200">
+                <a:latin typeface="1훈하얀고양이 R"/>
+              </a:rPr>
+              <a:t>세상의 죄를 없애시는 분이시니 </a:t>
+            </a:r>
+          </a:p>
+          <a:p>
+            <a:pPr algn="ctr"/>
+            <a:r>
+              <a:rPr b="0" sz="7200">
+                <a:latin typeface="1훈하얀고양이 R"/>
+              </a:rPr>
+              <a:t>이 성찬에 초대 받은 이는 </a:t>
+            </a:r>
+          </a:p>
+          <a:p>
+            <a:pPr algn="ctr"/>
+            <a:r>
+              <a:rPr b="0" sz="7200">
+                <a:latin typeface="1훈하얀고양이 R"/>
+              </a:rPr>
+              <a:t>복되도다.</a:t>
             </a:r>
           </a:p>
         </p:txBody>
